--- a/docs/java-概述.pptx
+++ b/docs/java-概述.pptx
@@ -6,7 +6,7 @@
     <p:sldMasterId id="2147483660" r:id="rId2"/>
   </p:sldMasterIdLst>
   <p:notesMasterIdLst>
-    <p:notesMasterId r:id="rId15"/>
+    <p:notesMasterId r:id="rId35"/>
   </p:notesMasterIdLst>
   <p:sldIdLst>
     <p:sldId id="256" r:id="rId3"/>
@@ -20,7 +20,27 @@
     <p:sldId id="271" r:id="rId11"/>
     <p:sldId id="272" r:id="rId12"/>
     <p:sldId id="267" r:id="rId13"/>
-    <p:sldId id="261" r:id="rId14"/>
+    <p:sldId id="274" r:id="rId14"/>
+    <p:sldId id="275" r:id="rId15"/>
+    <p:sldId id="276" r:id="rId16"/>
+    <p:sldId id="285" r:id="rId17"/>
+    <p:sldId id="277" r:id="rId18"/>
+    <p:sldId id="280" r:id="rId19"/>
+    <p:sldId id="286" r:id="rId20"/>
+    <p:sldId id="282" r:id="rId21"/>
+    <p:sldId id="283" r:id="rId22"/>
+    <p:sldId id="287" r:id="rId23"/>
+    <p:sldId id="284" r:id="rId24"/>
+    <p:sldId id="281" r:id="rId25"/>
+    <p:sldId id="278" r:id="rId26"/>
+    <p:sldId id="279" r:id="rId27"/>
+    <p:sldId id="288" r:id="rId28"/>
+    <p:sldId id="289" r:id="rId29"/>
+    <p:sldId id="290" r:id="rId30"/>
+    <p:sldId id="291" r:id="rId31"/>
+    <p:sldId id="292" r:id="rId32"/>
+    <p:sldId id="293" r:id="rId33"/>
+    <p:sldId id="261" r:id="rId34"/>
   </p:sldIdLst>
   <p:sldSz cx="9144000" cy="6858000" type="screen4x3"/>
   <p:notesSz cx="6858000" cy="9144000"/>
@@ -204,7 +224,7 @@
           <a:p>
             <a:fld id="{D6CB015B-B7FF-4093-8E19-9AD7339689D2}" type="datetimeFigureOut">
               <a:rPr lang="zh-CN" altLang="en-US" smtClean="0"/>
-              <a:t>2017/11/29</a:t>
+              <a:t>2017/11/30</a:t>
             </a:fld>
             <a:endParaRPr lang="zh-CN" altLang="en-US"/>
           </a:p>
@@ -559,7 +579,7 @@
             <a:fld id="{96901A81-0F01-4EEE-B1B8-8AAFCC661EC4}" type="slidenum">
               <a:rPr lang="zh-CN" altLang="en-US" smtClean="0"/>
               <a:pPr/>
-              <a:t>12</a:t>
+              <a:t>32</a:t>
             </a:fld>
             <a:endParaRPr lang="zh-CN" altLang="en-US"/>
           </a:p>
@@ -2174,7 +2194,7 @@
             <a:fld id="{B35E7478-ADE7-4480-A214-01473DFE0029}" type="datetimeFigureOut">
               <a:rPr lang="zh-CN" altLang="en-US" smtClean="0"/>
               <a:pPr/>
-              <a:t>2017/11/29</a:t>
+              <a:t>2017/11/30</a:t>
             </a:fld>
             <a:endParaRPr lang="zh-CN" altLang="en-US"/>
           </a:p>
@@ -6039,7 +6059,7 @@
             <a:fld id="{B35E7478-ADE7-4480-A214-01473DFE0029}" type="datetimeFigureOut">
               <a:rPr lang="zh-CN" altLang="en-US" smtClean="0"/>
               <a:pPr/>
-              <a:t>2017/11/29</a:t>
+              <a:t>2017/11/30</a:t>
             </a:fld>
             <a:endParaRPr lang="zh-CN" altLang="en-US"/>
           </a:p>
@@ -7707,7 +7727,7 @@
             <a:fld id="{B35E7478-ADE7-4480-A214-01473DFE0029}" type="datetimeFigureOut">
               <a:rPr lang="zh-CN" altLang="en-US" smtClean="0"/>
               <a:pPr/>
-              <a:t>2017/11/29</a:t>
+              <a:t>2017/11/30</a:t>
             </a:fld>
             <a:endParaRPr lang="zh-CN" altLang="en-US"/>
           </a:p>
@@ -12011,7 +12031,7 @@
                 </a:solidFill>
               </a:rPr>
               <a:pPr/>
-              <a:t>2017/11/29</a:t>
+              <a:t>2017/11/30</a:t>
             </a:fld>
             <a:endParaRPr lang="zh-CN" altLang="en-US">
               <a:solidFill>
@@ -15929,7 +15949,7 @@
                 </a:solidFill>
               </a:rPr>
               <a:pPr/>
-              <a:t>2017/11/29</a:t>
+              <a:t>2017/11/30</a:t>
             </a:fld>
             <a:endParaRPr lang="zh-CN" altLang="en-US">
               <a:solidFill>
@@ -21780,7 +21800,7 @@
                 </a:solidFill>
               </a:rPr>
               <a:pPr/>
-              <a:t>2017/11/29</a:t>
+              <a:t>2017/11/30</a:t>
             </a:fld>
             <a:endParaRPr lang="zh-CN" altLang="en-US">
               <a:solidFill>
@@ -22370,7 +22390,7 @@
                 </a:solidFill>
               </a:rPr>
               <a:pPr/>
-              <a:t>2017/11/29</a:t>
+              <a:t>2017/11/30</a:t>
             </a:fld>
             <a:endParaRPr lang="zh-CN" altLang="en-US">
               <a:solidFill>
@@ -26074,7 +26094,7 @@
                 </a:solidFill>
               </a:rPr>
               <a:pPr/>
-              <a:t>2017/11/29</a:t>
+              <a:t>2017/11/30</a:t>
             </a:fld>
             <a:endParaRPr lang="zh-CN" altLang="en-US">
               <a:solidFill>
@@ -26208,7 +26228,7 @@
                 </a:solidFill>
               </a:rPr>
               <a:pPr/>
-              <a:t>2017/11/29</a:t>
+              <a:t>2017/11/30</a:t>
             </a:fld>
             <a:endParaRPr lang="zh-CN" altLang="en-US">
               <a:solidFill>
@@ -27037,7 +27057,7 @@
             <a:fld id="{B35E7478-ADE7-4480-A214-01473DFE0029}" type="datetimeFigureOut">
               <a:rPr lang="zh-CN" altLang="en-US" smtClean="0"/>
               <a:pPr/>
-              <a:t>2017/11/29</a:t>
+              <a:t>2017/11/30</a:t>
             </a:fld>
             <a:endParaRPr lang="zh-CN" altLang="en-US"/>
           </a:p>
@@ -32365,7 +32385,7 @@
             <a:fld id="{B35E7478-ADE7-4480-A214-01473DFE0029}" type="datetimeFigureOut">
               <a:rPr lang="zh-CN" altLang="en-US" smtClean="0"/>
               <a:pPr/>
-              <a:t>2017/11/29</a:t>
+              <a:t>2017/11/30</a:t>
             </a:fld>
             <a:endParaRPr lang="zh-CN" altLang="en-US"/>
           </a:p>
@@ -37719,7 +37739,7 @@
             <a:fld id="{B35E7478-ADE7-4480-A214-01473DFE0029}" type="datetimeFigureOut">
               <a:rPr lang="zh-CN" altLang="en-US" smtClean="0"/>
               <a:pPr/>
-              <a:t>2017/11/29</a:t>
+              <a:t>2017/11/30</a:t>
             </a:fld>
             <a:endParaRPr lang="zh-CN" altLang="en-US"/>
           </a:p>
@@ -37816,7 +37836,7 @@
             <a:fld id="{B35E7478-ADE7-4480-A214-01473DFE0029}" type="datetimeFigureOut">
               <a:rPr lang="zh-CN" altLang="en-US" smtClean="0"/>
               <a:pPr/>
-              <a:t>2017/11/29</a:t>
+              <a:t>2017/11/30</a:t>
             </a:fld>
             <a:endParaRPr lang="zh-CN" altLang="en-US"/>
           </a:p>
@@ -38102,7 +38122,7 @@
             <a:fld id="{B35E7478-ADE7-4480-A214-01473DFE0029}" type="datetimeFigureOut">
               <a:rPr lang="zh-CN" altLang="en-US" smtClean="0"/>
               <a:pPr/>
-              <a:t>2017/11/29</a:t>
+              <a:t>2017/11/30</a:t>
             </a:fld>
             <a:endParaRPr lang="zh-CN" altLang="en-US"/>
           </a:p>
@@ -38357,7 +38377,7 @@
             <a:fld id="{B35E7478-ADE7-4480-A214-01473DFE0029}" type="datetimeFigureOut">
               <a:rPr lang="zh-CN" altLang="en-US" smtClean="0"/>
               <a:pPr/>
-              <a:t>2017/11/29</a:t>
+              <a:t>2017/11/30</a:t>
             </a:fld>
             <a:endParaRPr lang="zh-CN" altLang="en-US"/>
           </a:p>
@@ -38529,7 +38549,7 @@
             <a:fld id="{B35E7478-ADE7-4480-A214-01473DFE0029}" type="datetimeFigureOut">
               <a:rPr lang="zh-CN" altLang="en-US" smtClean="0"/>
               <a:pPr/>
-              <a:t>2017/11/29</a:t>
+              <a:t>2017/11/30</a:t>
             </a:fld>
             <a:endParaRPr lang="zh-CN" altLang="en-US"/>
           </a:p>
@@ -38756,7 +38776,7 @@
             <a:fld id="{B35E7478-ADE7-4480-A214-01473DFE0029}" type="datetimeFigureOut">
               <a:rPr lang="zh-CN" altLang="en-US" smtClean="0"/>
               <a:pPr/>
-              <a:t>2017/11/29</a:t>
+              <a:t>2017/11/30</a:t>
             </a:fld>
             <a:endParaRPr lang="zh-CN" altLang="en-US"/>
           </a:p>
@@ -39292,7 +39312,7 @@
                 </a:solidFill>
               </a:rPr>
               <a:pPr/>
-              <a:t>2017/11/29</a:t>
+              <a:t>2017/11/30</a:t>
             </a:fld>
             <a:endParaRPr lang="zh-CN" altLang="en-US">
               <a:solidFill>
@@ -40130,10 +40150,1542 @@
           <a:chExt cx="0" cy="0"/>
         </a:xfrm>
       </p:grpSpPr>
+      <p:sp>
+        <p:nvSpPr>
+          <p:cNvPr id="2" name="标题 1"/>
+          <p:cNvSpPr>
+            <a:spLocks noGrp="1"/>
+          </p:cNvSpPr>
+          <p:nvPr>
+            <p:ph type="title"/>
+          </p:nvPr>
+        </p:nvSpPr>
+        <p:spPr/>
+        <p:txBody>
+          <a:bodyPr>
+            <a:normAutofit fontScale="90000"/>
+          </a:bodyPr>
+          <a:lstStyle/>
+          <a:p>
+            <a:r>
+              <a:rPr lang="en-US" altLang="zh-CN" dirty="0"/>
+              <a:t>Java</a:t>
+            </a:r>
+            <a:r>
+              <a:rPr lang="zh-CN" altLang="en-US" dirty="0"/>
+              <a:t>的最小程序单位是类</a:t>
+            </a:r>
+          </a:p>
+        </p:txBody>
+      </p:sp>
+      <p:sp>
+        <p:nvSpPr>
+          <p:cNvPr id="3" name="内容占位符 2"/>
+          <p:cNvSpPr>
+            <a:spLocks noGrp="1"/>
+          </p:cNvSpPr>
+          <p:nvPr>
+            <p:ph idx="1"/>
+          </p:nvPr>
+        </p:nvSpPr>
+        <p:spPr/>
+        <p:txBody>
+          <a:bodyPr>
+            <a:normAutofit fontScale="70000" lnSpcReduction="20000"/>
+          </a:bodyPr>
+          <a:lstStyle/>
+          <a:p>
+            <a:pPr marL="0" indent="0">
+              <a:buNone/>
+            </a:pPr>
+            <a:r>
+              <a:rPr lang="en-US" altLang="zh-CN" dirty="0"/>
+              <a:t>[</a:t>
+            </a:r>
+            <a:r>
+              <a:rPr lang="en-US" altLang="zh-CN" dirty="0" err="1">
+                <a:solidFill>
+                  <a:srgbClr val="FFC000"/>
+                </a:solidFill>
+              </a:rPr>
+              <a:t>publicprotected|private</a:t>
+            </a:r>
+            <a:r>
+              <a:rPr lang="en-US" altLang="zh-CN" dirty="0"/>
+              <a:t>] </a:t>
+            </a:r>
+            <a:r>
+              <a:rPr lang="en-US" altLang="zh-CN" dirty="0">
+                <a:solidFill>
+                  <a:srgbClr val="FFC000"/>
+                </a:solidFill>
+              </a:rPr>
+              <a:t>class</a:t>
+            </a:r>
+            <a:r>
+              <a:rPr lang="en-US" altLang="zh-CN" dirty="0"/>
+              <a:t> [</a:t>
+            </a:r>
+            <a:r>
+              <a:rPr lang="en-US" altLang="zh-CN" dirty="0" err="1"/>
+              <a:t>ClassName</a:t>
+            </a:r>
+            <a:r>
+              <a:rPr lang="en-US" altLang="zh-CN" dirty="0"/>
+              <a:t>]</a:t>
+            </a:r>
+          </a:p>
+          <a:p>
+            <a:pPr marL="0" indent="0">
+              <a:buNone/>
+            </a:pPr>
+            <a:r>
+              <a:rPr lang="en-US" altLang="zh-CN" dirty="0"/>
+              <a:t>{</a:t>
+            </a:r>
+          </a:p>
+          <a:p>
+            <a:pPr marL="0" indent="0">
+              <a:buNone/>
+            </a:pPr>
+            <a:r>
+              <a:rPr lang="en-US" altLang="zh-CN" dirty="0"/>
+              <a:t>    // field, constructor, and</a:t>
+            </a:r>
+          </a:p>
+          <a:p>
+            <a:pPr marL="0" indent="0">
+              <a:buNone/>
+            </a:pPr>
+            <a:r>
+              <a:rPr lang="en-US" altLang="zh-CN" dirty="0"/>
+              <a:t>    // method declarations</a:t>
+            </a:r>
+          </a:p>
+          <a:p>
+            <a:pPr marL="0" indent="0">
+              <a:buNone/>
+            </a:pPr>
+            <a:r>
+              <a:rPr lang="en-US" altLang="zh-CN" dirty="0"/>
+              <a:t>}</a:t>
+            </a:r>
+          </a:p>
+          <a:p>
+            <a:r>
+              <a:rPr lang="zh-CN" altLang="en-US" dirty="0">
+                <a:solidFill>
+                  <a:srgbClr val="FFC000"/>
+                </a:solidFill>
+              </a:rPr>
+              <a:t>所有的声明和定义必须在某个类</a:t>
+            </a:r>
+            <a:r>
+              <a:rPr lang="zh-CN" altLang="en-US" dirty="0" smtClean="0">
+                <a:solidFill>
+                  <a:srgbClr val="FFC000"/>
+                </a:solidFill>
+              </a:rPr>
+              <a:t>中</a:t>
+            </a:r>
+            <a:endParaRPr lang="en-US" altLang="zh-CN" dirty="0" smtClean="0">
+              <a:solidFill>
+                <a:srgbClr val="FFC000"/>
+              </a:solidFill>
+            </a:endParaRPr>
+          </a:p>
+          <a:p>
+            <a:pPr lvl="1"/>
+            <a:r>
+              <a:rPr lang="zh-CN" altLang="en-US" dirty="0">
+                <a:solidFill>
+                  <a:srgbClr val="FFC000"/>
+                </a:solidFill>
+              </a:rPr>
+              <a:t>方法只能定义在类中，方法名可以重载</a:t>
+            </a:r>
+            <a:endParaRPr lang="en-US" altLang="zh-CN" dirty="0">
+              <a:solidFill>
+                <a:srgbClr val="FFC000"/>
+              </a:solidFill>
+            </a:endParaRPr>
+          </a:p>
+          <a:p>
+            <a:pPr lvl="1"/>
+            <a:r>
+              <a:rPr lang="zh-CN" altLang="en-US" dirty="0">
+                <a:solidFill>
+                  <a:srgbClr val="FFC000"/>
+                </a:solidFill>
+              </a:rPr>
+              <a:t>没有全局变量。可以使用类中声明的静态变量</a:t>
+            </a:r>
+            <a:r>
+              <a:rPr lang="zh-CN" altLang="en-US" dirty="0" smtClean="0">
+                <a:solidFill>
+                  <a:srgbClr val="FFC000"/>
+                </a:solidFill>
+              </a:rPr>
+              <a:t>取代</a:t>
+            </a:r>
+            <a:endParaRPr lang="en-US" altLang="zh-CN" dirty="0" smtClean="0">
+              <a:solidFill>
+                <a:srgbClr val="FFC000"/>
+              </a:solidFill>
+            </a:endParaRPr>
+          </a:p>
+          <a:p>
+            <a:r>
+              <a:rPr lang="en-US" altLang="zh-CN" dirty="0" err="1" smtClean="0"/>
+              <a:t>ClassName</a:t>
+            </a:r>
+            <a:r>
+              <a:rPr lang="zh-CN" altLang="en-US" dirty="0" smtClean="0"/>
+              <a:t>是</a:t>
+            </a:r>
+            <a:r>
+              <a:rPr lang="zh-CN" altLang="en-US" dirty="0"/>
+              <a:t>一个或多个有意义的单词连缀而成</a:t>
+            </a:r>
+            <a:r>
+              <a:rPr lang="zh-CN" altLang="en-US" dirty="0" smtClean="0"/>
+              <a:t>，</a:t>
+            </a:r>
+            <a:r>
+              <a:rPr lang="zh-CN" altLang="en-US" dirty="0" smtClean="0">
+                <a:solidFill>
+                  <a:srgbClr val="FFC000"/>
+                </a:solidFill>
+              </a:rPr>
+              <a:t>每个</a:t>
+            </a:r>
+            <a:r>
+              <a:rPr lang="zh-CN" altLang="en-US" dirty="0">
+                <a:solidFill>
+                  <a:srgbClr val="FFC000"/>
+                </a:solidFill>
+              </a:rPr>
+              <a:t>单词的首字母要大写</a:t>
+            </a:r>
+            <a:r>
+              <a:rPr lang="zh-CN" altLang="en-US" dirty="0" smtClean="0"/>
+              <a:t>。</a:t>
+            </a:r>
+            <a:endParaRPr lang="en-US" altLang="zh-CN" dirty="0" smtClean="0"/>
+          </a:p>
+          <a:p>
+            <a:r>
+              <a:rPr lang="zh-CN" altLang="en-US" dirty="0"/>
+              <a:t>每个</a:t>
+            </a:r>
+            <a:r>
+              <a:rPr lang="en-US" altLang="zh-CN" dirty="0"/>
+              <a:t>Java</a:t>
+            </a:r>
+            <a:r>
+              <a:rPr lang="zh-CN" altLang="en-US" dirty="0"/>
+              <a:t>源文件可以包含多个</a:t>
+            </a:r>
+            <a:r>
+              <a:rPr lang="zh-CN" altLang="en-US" dirty="0" smtClean="0"/>
+              <a:t>类，但只能有一个</a:t>
+            </a:r>
+            <a:r>
+              <a:rPr lang="en-US" altLang="zh-CN" dirty="0" smtClean="0"/>
+              <a:t>public</a:t>
+            </a:r>
+            <a:r>
+              <a:rPr lang="zh-CN" altLang="en-US" dirty="0" smtClean="0"/>
+              <a:t>的类。每个类生成一个</a:t>
+            </a:r>
+            <a:r>
+              <a:rPr lang="en-US" altLang="zh-CN" dirty="0" smtClean="0"/>
+              <a:t>.class</a:t>
+            </a:r>
+            <a:r>
+              <a:rPr lang="zh-CN" altLang="en-US" dirty="0" smtClean="0"/>
+              <a:t>文件</a:t>
+            </a:r>
+            <a:endParaRPr lang="en-US" altLang="zh-CN" dirty="0" smtClean="0"/>
+          </a:p>
+          <a:p>
+            <a:r>
+              <a:rPr lang="zh-CN" altLang="en-US" dirty="0" smtClean="0"/>
+              <a:t>源文件的名字必须与</a:t>
+            </a:r>
+            <a:r>
+              <a:rPr lang="en-US" altLang="zh-CN" dirty="0" smtClean="0"/>
+              <a:t>public</a:t>
+            </a:r>
+            <a:r>
+              <a:rPr lang="zh-CN" altLang="en-US" dirty="0" smtClean="0"/>
+              <a:t>的类名同名，且扩展名是</a:t>
+            </a:r>
+            <a:r>
+              <a:rPr lang="en-US" altLang="zh-CN" dirty="0" smtClean="0"/>
+              <a:t>.java</a:t>
+            </a:r>
+            <a:r>
+              <a:rPr lang="zh-CN" altLang="en-US" dirty="0" smtClean="0"/>
+              <a:t>。</a:t>
+            </a:r>
+            <a:endParaRPr lang="en-US" altLang="zh-CN" dirty="0" smtClean="0"/>
+          </a:p>
+          <a:p>
+            <a:r>
+              <a:rPr lang="zh-CN" altLang="en-US" dirty="0" smtClean="0"/>
+              <a:t>一般一个源文件只定义一个类。</a:t>
+            </a:r>
+            <a:endParaRPr lang="en-US" altLang="zh-CN" dirty="0" smtClean="0"/>
+          </a:p>
+          <a:p>
+            <a:endParaRPr lang="en-US" altLang="zh-CN" dirty="0" smtClean="0"/>
+          </a:p>
+          <a:p>
+            <a:endParaRPr lang="zh-CN" altLang="en-US" dirty="0"/>
+          </a:p>
+          <a:p>
+            <a:endParaRPr lang="zh-CN" altLang="en-US" dirty="0"/>
+          </a:p>
+        </p:txBody>
+      </p:sp>
     </p:spTree>
     <p:extLst>
       <p:ext uri="{BB962C8B-B14F-4D97-AF65-F5344CB8AC3E}">
-        <p14:creationId xmlns:p14="http://schemas.microsoft.com/office/powerpoint/2010/main" val="3418871224"/>
+        <p14:creationId xmlns:p14="http://schemas.microsoft.com/office/powerpoint/2010/main" val="1064164824"/>
+      </p:ext>
+    </p:extLst>
+  </p:cSld>
+  <p:clrMapOvr>
+    <a:masterClrMapping/>
+  </p:clrMapOvr>
+  <p:timing>
+    <p:tnLst>
+      <p:par>
+        <p:cTn id="1" dur="indefinite" restart="never" nodeType="tmRoot"/>
+      </p:par>
+    </p:tnLst>
+  </p:timing>
+</p:sld>
+</file>
+
+<file path=ppt/slides/slide13.xml><?xml version="1.0" encoding="utf-8"?>
+<p:sld xmlns:a="http://schemas.openxmlformats.org/drawingml/2006/main" xmlns:r="http://schemas.openxmlformats.org/officeDocument/2006/relationships" xmlns:p="http://schemas.openxmlformats.org/presentationml/2006/main">
+  <p:cSld>
+    <p:spTree>
+      <p:nvGrpSpPr>
+        <p:cNvPr id="1" name=""/>
+        <p:cNvGrpSpPr/>
+        <p:nvPr/>
+      </p:nvGrpSpPr>
+      <p:grpSpPr>
+        <a:xfrm>
+          <a:off x="0" y="0"/>
+          <a:ext cx="0" cy="0"/>
+          <a:chOff x="0" y="0"/>
+          <a:chExt cx="0" cy="0"/>
+        </a:xfrm>
+      </p:grpSpPr>
+      <p:sp>
+        <p:nvSpPr>
+          <p:cNvPr id="2" name="标题 1"/>
+          <p:cNvSpPr>
+            <a:spLocks noGrp="1"/>
+          </p:cNvSpPr>
+          <p:nvPr>
+            <p:ph type="title"/>
+          </p:nvPr>
+        </p:nvSpPr>
+        <p:spPr/>
+        <p:txBody>
+          <a:bodyPr>
+            <a:normAutofit fontScale="90000"/>
+          </a:bodyPr>
+          <a:lstStyle/>
+          <a:p>
+            <a:r>
+              <a:rPr lang="zh-CN" altLang="en-US" dirty="0"/>
+              <a:t>编译</a:t>
+            </a:r>
+            <a:r>
+              <a:rPr lang="en-US" altLang="zh-CN" dirty="0"/>
+              <a:t>Java</a:t>
+            </a:r>
+            <a:r>
+              <a:rPr lang="zh-CN" altLang="en-US" dirty="0" smtClean="0"/>
+              <a:t>程序 </a:t>
+            </a:r>
+            <a:r>
+              <a:rPr lang="en-US" altLang="zh-CN" dirty="0" smtClean="0"/>
+              <a:t>- </a:t>
+            </a:r>
+            <a:r>
+              <a:rPr lang="en-US" altLang="zh-CN" dirty="0" err="1"/>
+              <a:t>j</a:t>
+            </a:r>
+            <a:r>
+              <a:rPr lang="en-US" altLang="zh-CN" dirty="0" err="1" smtClean="0"/>
+              <a:t>avac</a:t>
+            </a:r>
+            <a:endParaRPr lang="zh-CN" altLang="en-US" dirty="0"/>
+          </a:p>
+        </p:txBody>
+      </p:sp>
+      <p:sp>
+        <p:nvSpPr>
+          <p:cNvPr id="3" name="内容占位符 2"/>
+          <p:cNvSpPr>
+            <a:spLocks noGrp="1"/>
+          </p:cNvSpPr>
+          <p:nvPr>
+            <p:ph idx="1"/>
+          </p:nvPr>
+        </p:nvSpPr>
+        <p:spPr/>
+        <p:txBody>
+          <a:bodyPr/>
+          <a:lstStyle/>
+          <a:p>
+            <a:r>
+              <a:rPr lang="en-US" altLang="zh-CN" dirty="0" err="1"/>
+              <a:t>javac</a:t>
+            </a:r>
+            <a:r>
+              <a:rPr lang="en-US" altLang="zh-CN" dirty="0"/>
+              <a:t> -d [</a:t>
+            </a:r>
+            <a:r>
+              <a:rPr lang="zh-CN" altLang="en-US" dirty="0"/>
+              <a:t>目录</a:t>
+            </a:r>
+            <a:r>
+              <a:rPr lang="en-US" altLang="zh-CN" dirty="0"/>
+              <a:t>] [Java</a:t>
+            </a:r>
+            <a:r>
+              <a:rPr lang="zh-CN" altLang="en-US" dirty="0"/>
+              <a:t>源文件</a:t>
+            </a:r>
+            <a:r>
+              <a:rPr lang="en-US" altLang="zh-CN" dirty="0" smtClean="0"/>
+              <a:t>]</a:t>
+            </a:r>
+          </a:p>
+          <a:p>
+            <a:pPr lvl="1"/>
+            <a:r>
+              <a:rPr lang="zh-CN" altLang="en-US" dirty="0" smtClean="0"/>
+              <a:t>目录</a:t>
+            </a:r>
+            <a:r>
+              <a:rPr lang="zh-CN" altLang="en-US" dirty="0"/>
+              <a:t>指定将生成二进制文件放到哪个目录</a:t>
+            </a:r>
+            <a:r>
+              <a:rPr lang="zh-CN" altLang="en-US" dirty="0" smtClean="0"/>
+              <a:t>下</a:t>
+            </a:r>
+            <a:endParaRPr lang="en-US" altLang="zh-CN" dirty="0" smtClean="0"/>
+          </a:p>
+          <a:p>
+            <a:r>
+              <a:rPr lang="en-US" altLang="zh-CN" dirty="0" smtClean="0"/>
+              <a:t>IDE</a:t>
+            </a:r>
+            <a:r>
+              <a:rPr lang="zh-CN" altLang="en-US" dirty="0" smtClean="0"/>
+              <a:t>开发环境</a:t>
+            </a:r>
+            <a:r>
+              <a:rPr lang="en-US" altLang="zh-CN" dirty="0" smtClean="0"/>
+              <a:t>:</a:t>
+            </a:r>
+          </a:p>
+          <a:p>
+            <a:pPr lvl="1"/>
+            <a:r>
+              <a:rPr lang="en-US" altLang="zh-CN" dirty="0" smtClean="0"/>
+              <a:t>Eclipse</a:t>
+            </a:r>
+            <a:r>
+              <a:rPr lang="zh-CN" altLang="en-US" dirty="0" smtClean="0"/>
+              <a:t>， </a:t>
+            </a:r>
+            <a:r>
+              <a:rPr lang="en-US" altLang="zh-CN" dirty="0" err="1" smtClean="0"/>
+              <a:t>Intellj</a:t>
+            </a:r>
+            <a:r>
+              <a:rPr lang="en-US" altLang="zh-CN" dirty="0" smtClean="0"/>
+              <a:t>, </a:t>
+            </a:r>
+            <a:r>
+              <a:rPr lang="en-US" altLang="zh-CN" dirty="0" err="1" smtClean="0"/>
+              <a:t>NetBean</a:t>
+            </a:r>
+            <a:endParaRPr lang="en-US" altLang="zh-CN" dirty="0" smtClean="0"/>
+          </a:p>
+          <a:p>
+            <a:r>
+              <a:rPr lang="zh-CN" altLang="en-US" dirty="0"/>
+              <a:t>构建</a:t>
+            </a:r>
+            <a:r>
+              <a:rPr lang="en-US" altLang="zh-CN" dirty="0"/>
+              <a:t>(build)</a:t>
+            </a:r>
+            <a:r>
+              <a:rPr lang="zh-CN" altLang="en-US" dirty="0"/>
+              <a:t>工具</a:t>
+            </a:r>
+            <a:r>
+              <a:rPr lang="zh-CN" altLang="en-US" dirty="0" smtClean="0"/>
+              <a:t>：</a:t>
+            </a:r>
+            <a:endParaRPr lang="en-US" altLang="zh-CN" dirty="0" smtClean="0"/>
+          </a:p>
+          <a:p>
+            <a:pPr lvl="1"/>
+            <a:r>
+              <a:rPr lang="en-US" altLang="zh-CN" dirty="0" smtClean="0"/>
+              <a:t>Maven, Grade, </a:t>
+            </a:r>
+            <a:r>
+              <a:rPr lang="en-US" altLang="zh-CN" dirty="0" err="1" smtClean="0"/>
+              <a:t>Sbt</a:t>
+            </a:r>
+            <a:endParaRPr lang="en-US" altLang="zh-CN" dirty="0" smtClean="0"/>
+          </a:p>
+          <a:p>
+            <a:pPr lvl="1"/>
+            <a:r>
+              <a:rPr lang="zh-CN" altLang="en-US" dirty="0" smtClean="0"/>
+              <a:t>编译、运行测试、打包</a:t>
+            </a:r>
+            <a:r>
+              <a:rPr lang="en-US" altLang="zh-CN" dirty="0" smtClean="0"/>
+              <a:t>(jar, war, etc.)</a:t>
+            </a:r>
+            <a:r>
+              <a:rPr lang="zh-CN" altLang="en-US" dirty="0" smtClean="0"/>
+              <a:t>，自动部署，生成</a:t>
+            </a:r>
+            <a:r>
+              <a:rPr lang="en-US" altLang="zh-CN" dirty="0" err="1" smtClean="0"/>
+              <a:t>JavaDoc</a:t>
+            </a:r>
+            <a:endParaRPr lang="zh-CN" altLang="en-US" dirty="0"/>
+          </a:p>
+        </p:txBody>
+      </p:sp>
+    </p:spTree>
+    <p:extLst>
+      <p:ext uri="{BB962C8B-B14F-4D97-AF65-F5344CB8AC3E}">
+        <p14:creationId xmlns:p14="http://schemas.microsoft.com/office/powerpoint/2010/main" val="1507938245"/>
+      </p:ext>
+    </p:extLst>
+  </p:cSld>
+  <p:clrMapOvr>
+    <a:masterClrMapping/>
+  </p:clrMapOvr>
+  <p:timing>
+    <p:tnLst>
+      <p:par>
+        <p:cTn id="1" dur="indefinite" restart="never" nodeType="tmRoot"/>
+      </p:par>
+    </p:tnLst>
+  </p:timing>
+</p:sld>
+</file>
+
+<file path=ppt/slides/slide14.xml><?xml version="1.0" encoding="utf-8"?>
+<p:sld xmlns:a="http://schemas.openxmlformats.org/drawingml/2006/main" xmlns:r="http://schemas.openxmlformats.org/officeDocument/2006/relationships" xmlns:p="http://schemas.openxmlformats.org/presentationml/2006/main">
+  <p:cSld>
+    <p:spTree>
+      <p:nvGrpSpPr>
+        <p:cNvPr id="1" name=""/>
+        <p:cNvGrpSpPr/>
+        <p:nvPr/>
+      </p:nvGrpSpPr>
+      <p:grpSpPr>
+        <a:xfrm>
+          <a:off x="0" y="0"/>
+          <a:ext cx="0" cy="0"/>
+          <a:chOff x="0" y="0"/>
+          <a:chExt cx="0" cy="0"/>
+        </a:xfrm>
+      </p:grpSpPr>
+      <p:sp>
+        <p:nvSpPr>
+          <p:cNvPr id="2" name="标题 1"/>
+          <p:cNvSpPr>
+            <a:spLocks noGrp="1"/>
+          </p:cNvSpPr>
+          <p:nvPr>
+            <p:ph type="title"/>
+          </p:nvPr>
+        </p:nvSpPr>
+        <p:spPr/>
+        <p:txBody>
+          <a:bodyPr>
+            <a:normAutofit fontScale="90000"/>
+          </a:bodyPr>
+          <a:lstStyle/>
+          <a:p>
+            <a:r>
+              <a:rPr lang="zh-CN" altLang="en-US" dirty="0"/>
+              <a:t>运行</a:t>
+            </a:r>
+            <a:r>
+              <a:rPr lang="en-US" altLang="zh-CN" dirty="0"/>
+              <a:t>Java</a:t>
+            </a:r>
+            <a:r>
+              <a:rPr lang="zh-CN" altLang="en-US" dirty="0"/>
+              <a:t>程序</a:t>
+            </a:r>
+          </a:p>
+        </p:txBody>
+      </p:sp>
+      <p:sp>
+        <p:nvSpPr>
+          <p:cNvPr id="3" name="内容占位符 2"/>
+          <p:cNvSpPr>
+            <a:spLocks noGrp="1"/>
+          </p:cNvSpPr>
+          <p:nvPr>
+            <p:ph idx="1"/>
+          </p:nvPr>
+        </p:nvSpPr>
+        <p:spPr/>
+        <p:txBody>
+          <a:bodyPr/>
+          <a:lstStyle/>
+          <a:p>
+            <a:r>
+              <a:rPr lang="en-US" altLang="zh-CN" dirty="0"/>
+              <a:t>java -</a:t>
+            </a:r>
+            <a:r>
+              <a:rPr lang="en-US" altLang="zh-CN" dirty="0" err="1"/>
+              <a:t>claspath</a:t>
+            </a:r>
+            <a:r>
+              <a:rPr lang="en-US" altLang="zh-CN" dirty="0"/>
+              <a:t> [</a:t>
+            </a:r>
+            <a:r>
+              <a:rPr lang="zh-CN" altLang="en-US" dirty="0"/>
+              <a:t>目录列表</a:t>
+            </a:r>
+            <a:r>
+              <a:rPr lang="en-US" altLang="zh-CN" dirty="0"/>
+              <a:t>] [Java</a:t>
+            </a:r>
+            <a:r>
+              <a:rPr lang="zh-CN" altLang="en-US" dirty="0"/>
+              <a:t>类名</a:t>
+            </a:r>
+            <a:r>
+              <a:rPr lang="en-US" altLang="zh-CN" dirty="0" smtClean="0"/>
+              <a:t>]</a:t>
+            </a:r>
+          </a:p>
+          <a:p>
+            <a:pPr lvl="1"/>
+            <a:r>
+              <a:rPr lang="zh-CN" altLang="en-US" dirty="0"/>
+              <a:t>目录</a:t>
+            </a:r>
+            <a:r>
+              <a:rPr lang="zh-CN" altLang="en-US" dirty="0" smtClean="0"/>
+              <a:t>列表</a:t>
+            </a:r>
+            <a:endParaRPr lang="en-US" altLang="zh-CN" dirty="0" smtClean="0"/>
+          </a:p>
+          <a:p>
+            <a:pPr lvl="2"/>
+            <a:r>
+              <a:rPr lang="en-US" altLang="zh-CN" dirty="0" smtClean="0"/>
+              <a:t>Linux: /</a:t>
+            </a:r>
+            <a:r>
+              <a:rPr lang="en-US" altLang="zh-CN" dirty="0" err="1" smtClean="0"/>
+              <a:t>usr</a:t>
+            </a:r>
+            <a:r>
+              <a:rPr lang="en-US" altLang="zh-CN" dirty="0" smtClean="0"/>
+              <a:t>/d1:/opt/d2</a:t>
+            </a:r>
+          </a:p>
+          <a:p>
+            <a:pPr lvl="2"/>
+            <a:r>
+              <a:rPr lang="en-US" altLang="zh-CN" dirty="0" smtClean="0"/>
+              <a:t>Windows: d:\usr\d1;c:\opt\d2</a:t>
+            </a:r>
+          </a:p>
+          <a:p>
+            <a:pPr lvl="1"/>
+            <a:r>
+              <a:rPr lang="zh-CN" altLang="en-US" dirty="0" smtClean="0"/>
+              <a:t>注：关于在程序中的夸平台处理问题，参见</a:t>
+            </a:r>
+            <a:r>
+              <a:rPr lang="en-US" altLang="zh-CN" dirty="0" smtClean="0"/>
+              <a:t>System</a:t>
+            </a:r>
+            <a:r>
+              <a:rPr lang="zh-CN" altLang="en-US" dirty="0" smtClean="0"/>
+              <a:t>类</a:t>
+            </a:r>
+            <a:endParaRPr lang="en-US" altLang="zh-CN" dirty="0" smtClean="0"/>
+          </a:p>
+          <a:p>
+            <a:r>
+              <a:rPr lang="zh-CN" altLang="zh-CN" dirty="0" smtClean="0"/>
+              <a:t>CLASSPATH</a:t>
+            </a:r>
+            <a:r>
+              <a:rPr lang="zh-CN" altLang="en-US" dirty="0" smtClean="0"/>
+              <a:t>环境变量</a:t>
+            </a:r>
+            <a:endParaRPr lang="en-US" altLang="zh-CN" dirty="0" smtClean="0"/>
+          </a:p>
+        </p:txBody>
+      </p:sp>
+    </p:spTree>
+    <p:extLst>
+      <p:ext uri="{BB962C8B-B14F-4D97-AF65-F5344CB8AC3E}">
+        <p14:creationId xmlns:p14="http://schemas.microsoft.com/office/powerpoint/2010/main" val="3884271377"/>
+      </p:ext>
+    </p:extLst>
+  </p:cSld>
+  <p:clrMapOvr>
+    <a:masterClrMapping/>
+  </p:clrMapOvr>
+  <p:timing>
+    <p:tnLst>
+      <p:par>
+        <p:cTn id="1" dur="indefinite" restart="never" nodeType="tmRoot"/>
+      </p:par>
+    </p:tnLst>
+  </p:timing>
+</p:sld>
+</file>
+
+<file path=ppt/slides/slide15.xml><?xml version="1.0" encoding="utf-8"?>
+<p:sld xmlns:a="http://schemas.openxmlformats.org/drawingml/2006/main" xmlns:r="http://schemas.openxmlformats.org/officeDocument/2006/relationships" xmlns:p="http://schemas.openxmlformats.org/presentationml/2006/main">
+  <p:cSld>
+    <p:spTree>
+      <p:nvGrpSpPr>
+        <p:cNvPr id="1" name=""/>
+        <p:cNvGrpSpPr/>
+        <p:nvPr/>
+      </p:nvGrpSpPr>
+      <p:grpSpPr>
+        <a:xfrm>
+          <a:off x="0" y="0"/>
+          <a:ext cx="0" cy="0"/>
+          <a:chOff x="0" y="0"/>
+          <a:chExt cx="0" cy="0"/>
+        </a:xfrm>
+      </p:grpSpPr>
+      <p:sp>
+        <p:nvSpPr>
+          <p:cNvPr id="2" name="标题 1"/>
+          <p:cNvSpPr>
+            <a:spLocks noGrp="1"/>
+          </p:cNvSpPr>
+          <p:nvPr>
+            <p:ph type="title"/>
+          </p:nvPr>
+        </p:nvSpPr>
+        <p:spPr/>
+        <p:txBody>
+          <a:bodyPr>
+            <a:normAutofit fontScale="90000"/>
+          </a:bodyPr>
+          <a:lstStyle/>
+          <a:p>
+            <a:r>
+              <a:rPr lang="zh-CN" altLang="en-US" dirty="0" smtClean="0"/>
+              <a:t>其它</a:t>
+            </a:r>
+            <a:r>
+              <a:rPr lang="en-US" altLang="zh-CN" dirty="0" smtClean="0"/>
+              <a:t>java</a:t>
+            </a:r>
+            <a:r>
+              <a:rPr lang="zh-CN" altLang="en-US" dirty="0" smtClean="0"/>
+              <a:t>工具</a:t>
+            </a:r>
+            <a:endParaRPr lang="zh-CN" altLang="en-US" dirty="0"/>
+          </a:p>
+        </p:txBody>
+      </p:sp>
+      <p:sp>
+        <p:nvSpPr>
+          <p:cNvPr id="3" name="内容占位符 2"/>
+          <p:cNvSpPr>
+            <a:spLocks noGrp="1"/>
+          </p:cNvSpPr>
+          <p:nvPr>
+            <p:ph idx="1"/>
+          </p:nvPr>
+        </p:nvSpPr>
+        <p:spPr/>
+        <p:txBody>
+          <a:bodyPr/>
+          <a:lstStyle/>
+          <a:p>
+            <a:r>
+              <a:rPr lang="en-US" altLang="zh-CN" dirty="0" err="1" smtClean="0"/>
+              <a:t>javadoc</a:t>
+            </a:r>
+            <a:r>
+              <a:rPr lang="zh-CN" altLang="en-US" dirty="0" smtClean="0"/>
+              <a:t>命令</a:t>
+            </a:r>
+            <a:endParaRPr lang="en-US" altLang="zh-CN" dirty="0" smtClean="0"/>
+          </a:p>
+          <a:p>
+            <a:r>
+              <a:rPr lang="en-US" altLang="zh-CN" dirty="0" smtClean="0"/>
+              <a:t>jar</a:t>
+            </a:r>
+            <a:r>
+              <a:rPr lang="zh-CN" altLang="en-US" dirty="0" smtClean="0"/>
+              <a:t>命令</a:t>
+            </a:r>
+            <a:endParaRPr lang="en-US" altLang="zh-CN" dirty="0" smtClean="0"/>
+          </a:p>
+          <a:p>
+            <a:endParaRPr lang="zh-CN" altLang="en-US" dirty="0"/>
+          </a:p>
+        </p:txBody>
+      </p:sp>
+    </p:spTree>
+    <p:extLst>
+      <p:ext uri="{BB962C8B-B14F-4D97-AF65-F5344CB8AC3E}">
+        <p14:creationId xmlns:p14="http://schemas.microsoft.com/office/powerpoint/2010/main" val="2739596046"/>
+      </p:ext>
+    </p:extLst>
+  </p:cSld>
+  <p:clrMapOvr>
+    <a:masterClrMapping/>
+  </p:clrMapOvr>
+  <p:timing>
+    <p:tnLst>
+      <p:par>
+        <p:cTn id="1" dur="indefinite" restart="never" nodeType="tmRoot"/>
+      </p:par>
+    </p:tnLst>
+  </p:timing>
+</p:sld>
+</file>
+
+<file path=ppt/slides/slide16.xml><?xml version="1.0" encoding="utf-8"?>
+<p:sld xmlns:a="http://schemas.openxmlformats.org/drawingml/2006/main" xmlns:r="http://schemas.openxmlformats.org/officeDocument/2006/relationships" xmlns:p="http://schemas.openxmlformats.org/presentationml/2006/main">
+  <p:cSld>
+    <p:spTree>
+      <p:nvGrpSpPr>
+        <p:cNvPr id="1" name=""/>
+        <p:cNvGrpSpPr/>
+        <p:nvPr/>
+      </p:nvGrpSpPr>
+      <p:grpSpPr>
+        <a:xfrm>
+          <a:off x="0" y="0"/>
+          <a:ext cx="0" cy="0"/>
+          <a:chOff x="0" y="0"/>
+          <a:chExt cx="0" cy="0"/>
+        </a:xfrm>
+      </p:grpSpPr>
+      <p:sp>
+        <p:nvSpPr>
+          <p:cNvPr id="2" name="标题 1"/>
+          <p:cNvSpPr>
+            <a:spLocks noGrp="1"/>
+          </p:cNvSpPr>
+          <p:nvPr>
+            <p:ph type="title"/>
+          </p:nvPr>
+        </p:nvSpPr>
+        <p:spPr/>
+        <p:txBody>
+          <a:bodyPr>
+            <a:normAutofit fontScale="90000"/>
+          </a:bodyPr>
+          <a:lstStyle/>
+          <a:p>
+            <a:r>
+              <a:rPr lang="zh-CN" altLang="en-US" dirty="0" smtClean="0"/>
+              <a:t>数据类型</a:t>
+            </a:r>
+            <a:endParaRPr lang="zh-CN" altLang="en-US" dirty="0"/>
+          </a:p>
+        </p:txBody>
+      </p:sp>
+      <p:sp>
+        <p:nvSpPr>
+          <p:cNvPr id="3" name="内容占位符 2"/>
+          <p:cNvSpPr>
+            <a:spLocks noGrp="1"/>
+          </p:cNvSpPr>
+          <p:nvPr>
+            <p:ph idx="1"/>
+          </p:nvPr>
+        </p:nvSpPr>
+        <p:spPr/>
+        <p:txBody>
+          <a:bodyPr/>
+          <a:lstStyle/>
+          <a:p>
+            <a:endParaRPr lang="zh-CN" altLang="en-US" dirty="0"/>
+          </a:p>
+        </p:txBody>
+      </p:sp>
+      <p:pic>
+        <p:nvPicPr>
+          <p:cNvPr id="1026" name="Picture 2"/>
+          <p:cNvPicPr>
+            <a:picLocks noChangeAspect="1" noChangeArrowheads="1"/>
+          </p:cNvPicPr>
+          <p:nvPr/>
+        </p:nvPicPr>
+        <p:blipFill>
+          <a:blip r:embed="rId2">
+            <a:extLst>
+              <a:ext uri="{28A0092B-C50C-407E-A947-70E740481C1C}">
+                <a14:useLocalDpi xmlns:a14="http://schemas.microsoft.com/office/drawing/2010/main" val="0"/>
+              </a:ext>
+            </a:extLst>
+          </a:blip>
+          <a:srcRect/>
+          <a:stretch>
+            <a:fillRect/>
+          </a:stretch>
+        </p:blipFill>
+        <p:spPr bwMode="auto">
+          <a:xfrm>
+            <a:off x="1475656" y="1340768"/>
+            <a:ext cx="6480720" cy="4647789"/>
+          </a:xfrm>
+          <a:prstGeom prst="rect">
+            <a:avLst/>
+          </a:prstGeom>
+          <a:noFill/>
+          <a:ln>
+            <a:noFill/>
+          </a:ln>
+          <a:extLst>
+            <a:ext uri="{909E8E84-426E-40DD-AFC4-6F175D3DCCD1}">
+              <a14:hiddenFill xmlns:a14="http://schemas.microsoft.com/office/drawing/2010/main">
+                <a:solidFill>
+                  <a:schemeClr val="accent1"/>
+                </a:solidFill>
+              </a14:hiddenFill>
+            </a:ext>
+            <a:ext uri="{91240B29-F687-4F45-9708-019B960494DF}">
+              <a14:hiddenLine xmlns:a14="http://schemas.microsoft.com/office/drawing/2010/main" w="9525">
+                <a:solidFill>
+                  <a:schemeClr val="tx1"/>
+                </a:solidFill>
+                <a:miter lim="800000"/>
+                <a:headEnd/>
+                <a:tailEnd/>
+              </a14:hiddenLine>
+            </a:ext>
+          </a:extLst>
+        </p:spPr>
+      </p:pic>
+    </p:spTree>
+    <p:extLst>
+      <p:ext uri="{BB962C8B-B14F-4D97-AF65-F5344CB8AC3E}">
+        <p14:creationId xmlns:p14="http://schemas.microsoft.com/office/powerpoint/2010/main" val="510739447"/>
+      </p:ext>
+    </p:extLst>
+  </p:cSld>
+  <p:clrMapOvr>
+    <a:masterClrMapping/>
+  </p:clrMapOvr>
+  <p:timing>
+    <p:tnLst>
+      <p:par>
+        <p:cTn id="1" dur="indefinite" restart="never" nodeType="tmRoot"/>
+      </p:par>
+    </p:tnLst>
+  </p:timing>
+</p:sld>
+</file>
+
+<file path=ppt/slides/slide17.xml><?xml version="1.0" encoding="utf-8"?>
+<p:sld xmlns:a="http://schemas.openxmlformats.org/drawingml/2006/main" xmlns:r="http://schemas.openxmlformats.org/officeDocument/2006/relationships" xmlns:p="http://schemas.openxmlformats.org/presentationml/2006/main">
+  <p:cSld>
+    <p:spTree>
+      <p:nvGrpSpPr>
+        <p:cNvPr id="1" name=""/>
+        <p:cNvGrpSpPr/>
+        <p:nvPr/>
+      </p:nvGrpSpPr>
+      <p:grpSpPr>
+        <a:xfrm>
+          <a:off x="0" y="0"/>
+          <a:ext cx="0" cy="0"/>
+          <a:chOff x="0" y="0"/>
+          <a:chExt cx="0" cy="0"/>
+        </a:xfrm>
+      </p:grpSpPr>
+      <p:sp>
+        <p:nvSpPr>
+          <p:cNvPr id="2" name="标题 1"/>
+          <p:cNvSpPr>
+            <a:spLocks noGrp="1"/>
+          </p:cNvSpPr>
+          <p:nvPr>
+            <p:ph type="title"/>
+          </p:nvPr>
+        </p:nvSpPr>
+        <p:spPr/>
+        <p:txBody>
+          <a:bodyPr>
+            <a:normAutofit fontScale="90000"/>
+          </a:bodyPr>
+          <a:lstStyle/>
+          <a:p>
+            <a:r>
+              <a:rPr lang="zh-CN" altLang="en-US" dirty="0" smtClean="0"/>
+              <a:t>数据类型</a:t>
+            </a:r>
+            <a:endParaRPr lang="zh-CN" altLang="en-US" dirty="0"/>
+          </a:p>
+        </p:txBody>
+      </p:sp>
+      <p:sp>
+        <p:nvSpPr>
+          <p:cNvPr id="3" name="内容占位符 2"/>
+          <p:cNvSpPr>
+            <a:spLocks noGrp="1"/>
+          </p:cNvSpPr>
+          <p:nvPr>
+            <p:ph idx="1"/>
+          </p:nvPr>
+        </p:nvSpPr>
+        <p:spPr/>
+        <p:txBody>
+          <a:bodyPr>
+            <a:normAutofit/>
+          </a:bodyPr>
+          <a:lstStyle/>
+          <a:p>
+            <a:r>
+              <a:rPr lang="en-US" altLang="zh-CN" dirty="0"/>
+              <a:t>byte short </a:t>
+            </a:r>
+            <a:r>
+              <a:rPr lang="en-US" altLang="zh-CN" dirty="0" err="1"/>
+              <a:t>int</a:t>
+            </a:r>
+            <a:r>
+              <a:rPr lang="en-US" altLang="zh-CN" dirty="0"/>
+              <a:t> </a:t>
+            </a:r>
+            <a:r>
+              <a:rPr lang="en-US" altLang="zh-CN" dirty="0" smtClean="0"/>
+              <a:t>long</a:t>
+            </a:r>
+            <a:r>
+              <a:rPr lang="zh-CN" altLang="en-US" dirty="0"/>
+              <a:t>各</a:t>
+            </a:r>
+            <a:r>
+              <a:rPr lang="zh-CN" altLang="en-US" dirty="0" smtClean="0"/>
+              <a:t>占</a:t>
+            </a:r>
+            <a:r>
+              <a:rPr lang="en-US" altLang="zh-CN" dirty="0" smtClean="0"/>
+              <a:t>1,2,4,8</a:t>
+            </a:r>
+            <a:r>
+              <a:rPr lang="zh-CN" altLang="en-US" dirty="0"/>
+              <a:t>个</a:t>
+            </a:r>
+            <a:r>
+              <a:rPr lang="zh-CN" altLang="en-US" dirty="0" smtClean="0"/>
+              <a:t>字节</a:t>
+            </a:r>
+            <a:endParaRPr lang="en-US" altLang="zh-CN" dirty="0" smtClean="0"/>
+          </a:p>
+          <a:p>
+            <a:r>
+              <a:rPr lang="en-US" altLang="zh-CN" dirty="0" smtClean="0"/>
+              <a:t>float </a:t>
+            </a:r>
+            <a:r>
+              <a:rPr lang="zh-CN" altLang="en-US" dirty="0" smtClean="0"/>
+              <a:t>和</a:t>
+            </a:r>
+            <a:r>
+              <a:rPr lang="en-US" altLang="zh-CN" dirty="0" smtClean="0"/>
+              <a:t>double</a:t>
+            </a:r>
+            <a:r>
+              <a:rPr lang="zh-CN" altLang="en-US" dirty="0" smtClean="0"/>
+              <a:t>各大占有</a:t>
+            </a:r>
+            <a:r>
+              <a:rPr lang="en-US" altLang="zh-CN" dirty="0"/>
+              <a:t>4</a:t>
+            </a:r>
+            <a:r>
+              <a:rPr lang="zh-CN" altLang="en-US" dirty="0"/>
+              <a:t>个字节和</a:t>
+            </a:r>
+            <a:r>
+              <a:rPr lang="en-US" altLang="zh-CN" dirty="0"/>
+              <a:t>8</a:t>
+            </a:r>
+            <a:r>
+              <a:rPr lang="zh-CN" altLang="en-US" dirty="0"/>
+              <a:t>个</a:t>
+            </a:r>
+            <a:r>
+              <a:rPr lang="zh-CN" altLang="en-US" dirty="0" smtClean="0"/>
+              <a:t>字节</a:t>
+            </a:r>
+            <a:endParaRPr lang="en-US" altLang="zh-CN" dirty="0" smtClean="0"/>
+          </a:p>
+          <a:p>
+            <a:r>
+              <a:rPr lang="en-US" altLang="zh-CN" dirty="0" smtClean="0"/>
+              <a:t>char</a:t>
+            </a:r>
+            <a:r>
+              <a:rPr lang="zh-CN" altLang="en-US" dirty="0" smtClean="0"/>
+              <a:t>占两个字节</a:t>
+            </a:r>
+            <a:endParaRPr lang="en-US" altLang="zh-CN" dirty="0" smtClean="0"/>
+          </a:p>
+          <a:p>
+            <a:pPr lvl="1"/>
+            <a:r>
+              <a:rPr lang="zh-CN" altLang="en-US" dirty="0" smtClean="0"/>
+              <a:t>字符在内存中都按</a:t>
+            </a:r>
+            <a:r>
+              <a:rPr lang="en-US" altLang="zh-CN" dirty="0" smtClean="0"/>
+              <a:t>Unicode-16</a:t>
+            </a:r>
+            <a:r>
+              <a:rPr lang="zh-CN" altLang="en-US" dirty="0" smtClean="0"/>
+              <a:t>编码存储</a:t>
+            </a:r>
+            <a:endParaRPr lang="en-US" altLang="zh-CN" dirty="0" smtClean="0"/>
+          </a:p>
+          <a:p>
+            <a:pPr lvl="1"/>
+            <a:r>
+              <a:rPr lang="en-US" altLang="zh-CN" dirty="0" smtClean="0"/>
+              <a:t>Unicode</a:t>
+            </a:r>
+            <a:r>
+              <a:rPr lang="zh-CN" altLang="en-US" dirty="0" smtClean="0"/>
+              <a:t>编码标准：</a:t>
+            </a:r>
+            <a:r>
+              <a:rPr lang="en-US" altLang="zh-CN" dirty="0" smtClean="0"/>
+              <a:t>UTF-8, UFT-16, UTF-32</a:t>
+            </a:r>
+          </a:p>
+          <a:p>
+            <a:pPr lvl="1"/>
+            <a:r>
+              <a:rPr lang="zh-CN" altLang="en-US" dirty="0" smtClean="0"/>
+              <a:t>文件和网络传输中多以</a:t>
+            </a:r>
+            <a:r>
+              <a:rPr lang="en-US" altLang="zh-CN" dirty="0" smtClean="0"/>
+              <a:t>UTF-8</a:t>
+            </a:r>
+            <a:r>
+              <a:rPr lang="zh-CN" altLang="en-US" dirty="0" smtClean="0"/>
+              <a:t>编码字符</a:t>
+            </a:r>
+            <a:endParaRPr lang="en-US" altLang="zh-CN" dirty="0" smtClean="0"/>
+          </a:p>
+          <a:p>
+            <a:endParaRPr lang="en-US" altLang="zh-CN" dirty="0" smtClean="0"/>
+          </a:p>
+          <a:p>
+            <a:endParaRPr lang="zh-CN" altLang="en-US" dirty="0"/>
+          </a:p>
+        </p:txBody>
+      </p:sp>
+    </p:spTree>
+    <p:extLst>
+      <p:ext uri="{BB962C8B-B14F-4D97-AF65-F5344CB8AC3E}">
+        <p14:creationId xmlns:p14="http://schemas.microsoft.com/office/powerpoint/2010/main" val="2788329090"/>
+      </p:ext>
+    </p:extLst>
+  </p:cSld>
+  <p:clrMapOvr>
+    <a:masterClrMapping/>
+  </p:clrMapOvr>
+  <p:timing>
+    <p:tnLst>
+      <p:par>
+        <p:cTn id="1" dur="indefinite" restart="never" nodeType="tmRoot"/>
+      </p:par>
+    </p:tnLst>
+  </p:timing>
+</p:sld>
+</file>
+
+<file path=ppt/slides/slide18.xml><?xml version="1.0" encoding="utf-8"?>
+<p:sld xmlns:a="http://schemas.openxmlformats.org/drawingml/2006/main" xmlns:r="http://schemas.openxmlformats.org/officeDocument/2006/relationships" xmlns:p="http://schemas.openxmlformats.org/presentationml/2006/main">
+  <p:cSld>
+    <p:spTree>
+      <p:nvGrpSpPr>
+        <p:cNvPr id="1" name=""/>
+        <p:cNvGrpSpPr/>
+        <p:nvPr/>
+      </p:nvGrpSpPr>
+      <p:grpSpPr>
+        <a:xfrm>
+          <a:off x="0" y="0"/>
+          <a:ext cx="0" cy="0"/>
+          <a:chOff x="0" y="0"/>
+          <a:chExt cx="0" cy="0"/>
+        </a:xfrm>
+      </p:grpSpPr>
+      <p:sp>
+        <p:nvSpPr>
+          <p:cNvPr id="2" name="标题 1"/>
+          <p:cNvSpPr>
+            <a:spLocks noGrp="1"/>
+          </p:cNvSpPr>
+          <p:nvPr>
+            <p:ph type="title"/>
+          </p:nvPr>
+        </p:nvSpPr>
+        <p:spPr/>
+        <p:txBody>
+          <a:bodyPr>
+            <a:normAutofit fontScale="90000"/>
+          </a:bodyPr>
+          <a:lstStyle/>
+          <a:p>
+            <a:r>
+              <a:rPr lang="zh-CN" altLang="en-US" dirty="0" smtClean="0"/>
+              <a:t>数据类型</a:t>
+            </a:r>
+            <a:endParaRPr lang="zh-CN" altLang="en-US" dirty="0"/>
+          </a:p>
+        </p:txBody>
+      </p:sp>
+      <p:sp>
+        <p:nvSpPr>
+          <p:cNvPr id="3" name="内容占位符 2"/>
+          <p:cNvSpPr>
+            <a:spLocks noGrp="1"/>
+          </p:cNvSpPr>
+          <p:nvPr>
+            <p:ph idx="1"/>
+          </p:nvPr>
+        </p:nvSpPr>
+        <p:spPr/>
+        <p:txBody>
+          <a:bodyPr/>
+          <a:lstStyle/>
+          <a:p>
+            <a:r>
+              <a:rPr lang="zh-CN" altLang="en-US" dirty="0"/>
+              <a:t>自动类型的</a:t>
+            </a:r>
+            <a:r>
+              <a:rPr lang="zh-CN" altLang="en-US" dirty="0" smtClean="0"/>
+              <a:t>转换</a:t>
+            </a:r>
+            <a:endParaRPr lang="en-US" altLang="zh-CN" dirty="0"/>
+          </a:p>
+          <a:p>
+            <a:pPr lvl="1"/>
+            <a:r>
+              <a:rPr lang="zh-CN" altLang="en-US" dirty="0" smtClean="0"/>
+              <a:t>数值类型之前</a:t>
+            </a:r>
+            <a:endParaRPr lang="en-US" altLang="zh-CN" dirty="0" smtClean="0"/>
+          </a:p>
+          <a:p>
+            <a:pPr lvl="1"/>
+            <a:r>
+              <a:rPr lang="zh-CN" altLang="en-US" dirty="0" smtClean="0"/>
+              <a:t>子类与父类之前</a:t>
+            </a:r>
+            <a:endParaRPr lang="en-US" altLang="zh-CN" dirty="0" smtClean="0"/>
+          </a:p>
+          <a:p>
+            <a:pPr lvl="1"/>
+            <a:r>
+              <a:rPr lang="zh-CN" altLang="en-US" dirty="0" smtClean="0"/>
+              <a:t>强制类型转换</a:t>
+            </a:r>
+            <a:endParaRPr lang="en-US" altLang="zh-CN" dirty="0" smtClean="0"/>
+          </a:p>
+          <a:p>
+            <a:pPr lvl="2"/>
+            <a:r>
+              <a:rPr lang="en-US" altLang="zh-CN" dirty="0" smtClean="0"/>
+              <a:t>(</a:t>
+            </a:r>
+            <a:r>
+              <a:rPr lang="zh-CN" altLang="en-US" dirty="0" smtClean="0"/>
+              <a:t>类型名</a:t>
+            </a:r>
+            <a:r>
+              <a:rPr lang="en-US" altLang="zh-CN" dirty="0" smtClean="0"/>
+              <a:t>)</a:t>
+            </a:r>
+            <a:r>
+              <a:rPr lang="zh-CN" altLang="en-US" dirty="0" smtClean="0"/>
+              <a:t>值，例如</a:t>
+            </a:r>
+            <a:r>
+              <a:rPr lang="en-US" altLang="zh-CN" dirty="0" smtClean="0">
+                <a:sym typeface="Wingdings" panose="05000000000000000000" pitchFamily="2" charset="2"/>
+              </a:rPr>
+              <a:t>: (</a:t>
+            </a:r>
+            <a:r>
+              <a:rPr lang="en-US" altLang="zh-CN" dirty="0" err="1" smtClean="0">
+                <a:sym typeface="Wingdings" panose="05000000000000000000" pitchFamily="2" charset="2"/>
+              </a:rPr>
+              <a:t>int</a:t>
+            </a:r>
+            <a:r>
+              <a:rPr lang="en-US" altLang="zh-CN" dirty="0" smtClean="0">
+                <a:sym typeface="Wingdings" panose="05000000000000000000" pitchFamily="2" charset="2"/>
+              </a:rPr>
+              <a:t>)2.3</a:t>
+            </a:r>
+            <a:endParaRPr lang="zh-CN" altLang="en-US" dirty="0"/>
+          </a:p>
+        </p:txBody>
+      </p:sp>
+    </p:spTree>
+    <p:extLst>
+      <p:ext uri="{BB962C8B-B14F-4D97-AF65-F5344CB8AC3E}">
+        <p14:creationId xmlns:p14="http://schemas.microsoft.com/office/powerpoint/2010/main" val="197414899"/>
+      </p:ext>
+    </p:extLst>
+  </p:cSld>
+  <p:clrMapOvr>
+    <a:masterClrMapping/>
+  </p:clrMapOvr>
+  <p:timing>
+    <p:tnLst>
+      <p:par>
+        <p:cTn id="1" dur="indefinite" restart="never" nodeType="tmRoot"/>
+      </p:par>
+    </p:tnLst>
+  </p:timing>
+</p:sld>
+</file>
+
+<file path=ppt/slides/slide19.xml><?xml version="1.0" encoding="utf-8"?>
+<p:sld xmlns:a="http://schemas.openxmlformats.org/drawingml/2006/main" xmlns:r="http://schemas.openxmlformats.org/officeDocument/2006/relationships" xmlns:p="http://schemas.openxmlformats.org/presentationml/2006/main">
+  <p:cSld>
+    <p:spTree>
+      <p:nvGrpSpPr>
+        <p:cNvPr id="1" name=""/>
+        <p:cNvGrpSpPr/>
+        <p:nvPr/>
+      </p:nvGrpSpPr>
+      <p:grpSpPr>
+        <a:xfrm>
+          <a:off x="0" y="0"/>
+          <a:ext cx="0" cy="0"/>
+          <a:chOff x="0" y="0"/>
+          <a:chExt cx="0" cy="0"/>
+        </a:xfrm>
+      </p:grpSpPr>
+      <p:sp>
+        <p:nvSpPr>
+          <p:cNvPr id="2" name="标题 1"/>
+          <p:cNvSpPr>
+            <a:spLocks noGrp="1"/>
+          </p:cNvSpPr>
+          <p:nvPr>
+            <p:ph type="title"/>
+          </p:nvPr>
+        </p:nvSpPr>
+        <p:spPr/>
+        <p:txBody>
+          <a:bodyPr>
+            <a:normAutofit fontScale="90000"/>
+          </a:bodyPr>
+          <a:lstStyle/>
+          <a:p>
+            <a:r>
+              <a:rPr lang="zh-CN" altLang="en-US" dirty="0" smtClean="0"/>
+              <a:t>常量</a:t>
+            </a:r>
+            <a:endParaRPr lang="zh-CN" altLang="en-US" dirty="0"/>
+          </a:p>
+        </p:txBody>
+      </p:sp>
+      <p:sp>
+        <p:nvSpPr>
+          <p:cNvPr id="3" name="内容占位符 2"/>
+          <p:cNvSpPr>
+            <a:spLocks noGrp="1"/>
+          </p:cNvSpPr>
+          <p:nvPr>
+            <p:ph idx="1"/>
+          </p:nvPr>
+        </p:nvSpPr>
+        <p:spPr/>
+        <p:txBody>
+          <a:bodyPr/>
+          <a:lstStyle/>
+          <a:p>
+            <a:r>
+              <a:rPr lang="en-US" altLang="zh-CN" dirty="0" err="1" smtClean="0"/>
+              <a:t>boolean</a:t>
+            </a:r>
+            <a:r>
+              <a:rPr lang="en-US" altLang="zh-CN" dirty="0" smtClean="0"/>
+              <a:t>:</a:t>
+            </a:r>
+            <a:r>
+              <a:rPr lang="zh-CN" altLang="en-US" dirty="0" smtClean="0"/>
+              <a:t>　</a:t>
+            </a:r>
+            <a:r>
+              <a:rPr lang="en-US" altLang="zh-CN" dirty="0" smtClean="0"/>
+              <a:t>true, false</a:t>
+            </a:r>
+          </a:p>
+          <a:p>
+            <a:r>
+              <a:rPr lang="zh-CN" altLang="en-US" dirty="0" smtClean="0"/>
+              <a:t>整数：</a:t>
+            </a:r>
+            <a:r>
+              <a:rPr lang="en-US" altLang="zh-CN" dirty="0" smtClean="0"/>
+              <a:t>2, (byte)2, 2L</a:t>
+            </a:r>
+          </a:p>
+          <a:p>
+            <a:r>
+              <a:rPr lang="zh-CN" altLang="en-US" dirty="0" smtClean="0"/>
+              <a:t>浮点数：</a:t>
+            </a:r>
+            <a:r>
+              <a:rPr lang="en-US" altLang="zh-CN" dirty="0" smtClean="0"/>
+              <a:t>2..1, 2.1F, 2.2L</a:t>
+            </a:r>
+          </a:p>
+          <a:p>
+            <a:r>
+              <a:rPr lang="zh-CN" altLang="en-US" dirty="0" smtClean="0"/>
+              <a:t>字符</a:t>
+            </a:r>
+            <a:r>
+              <a:rPr lang="en-US" altLang="zh-CN" dirty="0" smtClean="0"/>
+              <a:t>:  ‘a’, ‘</a:t>
+            </a:r>
+            <a:r>
+              <a:rPr lang="zh-CN" altLang="en-US" dirty="0" smtClean="0"/>
+              <a:t>国</a:t>
+            </a:r>
+            <a:r>
+              <a:rPr lang="en-US" altLang="zh-CN" dirty="0" smtClean="0"/>
+              <a:t>’, ‘\’’</a:t>
+            </a:r>
+          </a:p>
+          <a:p>
+            <a:r>
+              <a:rPr lang="zh-CN" altLang="en-US" dirty="0" smtClean="0"/>
+              <a:t>字符串</a:t>
+            </a:r>
+            <a:r>
+              <a:rPr lang="zh-CN" altLang="en-US" dirty="0"/>
+              <a:t>： ”农村也要来个</a:t>
+            </a:r>
+            <a:r>
+              <a:rPr lang="en-US" altLang="zh-CN" dirty="0"/>
+              <a:t>\"</a:t>
+            </a:r>
+            <a:r>
+              <a:rPr lang="zh-CN" altLang="en-US" dirty="0"/>
+              <a:t>厕所革命</a:t>
+            </a:r>
+            <a:r>
+              <a:rPr lang="en-US" altLang="zh-CN" dirty="0" smtClean="0"/>
+              <a:t>\"“</a:t>
+            </a:r>
+          </a:p>
+          <a:p>
+            <a:pPr lvl="1"/>
+            <a:r>
+              <a:rPr lang="zh-CN" altLang="en-US" dirty="0" smtClean="0">
+                <a:solidFill>
+                  <a:srgbClr val="00B0F0"/>
+                </a:solidFill>
+              </a:rPr>
+              <a:t>字符串的类型是</a:t>
+            </a:r>
+            <a:r>
+              <a:rPr lang="en-US" altLang="zh-CN" dirty="0" smtClean="0">
+                <a:solidFill>
+                  <a:srgbClr val="00B0F0"/>
+                </a:solidFill>
+              </a:rPr>
+              <a:t>String</a:t>
+            </a:r>
+            <a:r>
+              <a:rPr lang="zh-CN" altLang="en-US" dirty="0" smtClean="0">
+                <a:solidFill>
+                  <a:srgbClr val="00B0F0"/>
+                </a:solidFill>
+              </a:rPr>
+              <a:t>类型</a:t>
+            </a:r>
+            <a:endParaRPr lang="en-US" altLang="zh-CN" dirty="0" smtClean="0">
+              <a:solidFill>
+                <a:srgbClr val="00B0F0"/>
+              </a:solidFill>
+            </a:endParaRPr>
+          </a:p>
+          <a:p>
+            <a:r>
+              <a:rPr lang="zh-CN" altLang="en-US" dirty="0" smtClean="0"/>
+              <a:t>空值</a:t>
+            </a:r>
+            <a:r>
+              <a:rPr lang="en-US" altLang="zh-CN" dirty="0" smtClean="0"/>
+              <a:t>: null</a:t>
+            </a:r>
+            <a:endParaRPr lang="en-US" altLang="zh-CN" dirty="0"/>
+          </a:p>
+          <a:p>
+            <a:pPr marL="457200" lvl="1" indent="0">
+              <a:buNone/>
+            </a:pPr>
+            <a:endParaRPr lang="zh-CN" altLang="en-US" dirty="0">
+              <a:solidFill>
+                <a:srgbClr val="00B0F0"/>
+              </a:solidFill>
+            </a:endParaRPr>
+          </a:p>
+        </p:txBody>
+      </p:sp>
+    </p:spTree>
+    <p:extLst>
+      <p:ext uri="{BB962C8B-B14F-4D97-AF65-F5344CB8AC3E}">
+        <p14:creationId xmlns:p14="http://schemas.microsoft.com/office/powerpoint/2010/main" val="3886614994"/>
       </p:ext>
     </p:extLst>
   </p:cSld>
@@ -40261,6 +41813,1844 @@
 </p:sld>
 </file>
 
+<file path=ppt/slides/slide20.xml><?xml version="1.0" encoding="utf-8"?>
+<p:sld xmlns:a="http://schemas.openxmlformats.org/drawingml/2006/main" xmlns:r="http://schemas.openxmlformats.org/officeDocument/2006/relationships" xmlns:p="http://schemas.openxmlformats.org/presentationml/2006/main">
+  <p:cSld>
+    <p:spTree>
+      <p:nvGrpSpPr>
+        <p:cNvPr id="1" name=""/>
+        <p:cNvGrpSpPr/>
+        <p:nvPr/>
+      </p:nvGrpSpPr>
+      <p:grpSpPr>
+        <a:xfrm>
+          <a:off x="0" y="0"/>
+          <a:ext cx="0" cy="0"/>
+          <a:chOff x="0" y="0"/>
+          <a:chExt cx="0" cy="0"/>
+        </a:xfrm>
+      </p:grpSpPr>
+      <p:sp>
+        <p:nvSpPr>
+          <p:cNvPr id="2" name="标题 1"/>
+          <p:cNvSpPr>
+            <a:spLocks noGrp="1"/>
+          </p:cNvSpPr>
+          <p:nvPr>
+            <p:ph type="title"/>
+          </p:nvPr>
+        </p:nvSpPr>
+        <p:spPr/>
+        <p:txBody>
+          <a:bodyPr>
+            <a:normAutofit fontScale="90000"/>
+          </a:bodyPr>
+          <a:lstStyle/>
+          <a:p>
+            <a:r>
+              <a:rPr lang="zh-CN" altLang="en-US" dirty="0" smtClean="0"/>
+              <a:t>变量声明</a:t>
+            </a:r>
+            <a:endParaRPr lang="zh-CN" altLang="en-US" dirty="0"/>
+          </a:p>
+        </p:txBody>
+      </p:sp>
+      <p:sp>
+        <p:nvSpPr>
+          <p:cNvPr id="3" name="内容占位符 2"/>
+          <p:cNvSpPr>
+            <a:spLocks noGrp="1"/>
+          </p:cNvSpPr>
+          <p:nvPr>
+            <p:ph idx="1"/>
+          </p:nvPr>
+        </p:nvSpPr>
+        <p:spPr/>
+        <p:txBody>
+          <a:bodyPr/>
+          <a:lstStyle/>
+          <a:p>
+            <a:r>
+              <a:rPr lang="en-US" altLang="zh-CN" dirty="0" err="1" smtClean="0"/>
+              <a:t>int</a:t>
+            </a:r>
+            <a:r>
+              <a:rPr lang="en-US" altLang="zh-CN" dirty="0" smtClean="0"/>
+              <a:t> </a:t>
+            </a:r>
+            <a:r>
+              <a:rPr lang="en-US" altLang="zh-CN" dirty="0" err="1" smtClean="0"/>
+              <a:t>i</a:t>
+            </a:r>
+            <a:r>
+              <a:rPr lang="en-US" altLang="zh-CN" dirty="0" smtClean="0"/>
+              <a:t> = 32 ;</a:t>
+            </a:r>
+          </a:p>
+          <a:p>
+            <a:r>
+              <a:rPr lang="en-US" altLang="zh-CN" dirty="0" smtClean="0"/>
+              <a:t>String s = </a:t>
+            </a:r>
+            <a:r>
+              <a:rPr lang="zh-CN" altLang="en-US" dirty="0"/>
+              <a:t>”农村也要来个</a:t>
+            </a:r>
+            <a:r>
+              <a:rPr lang="en-US" altLang="zh-CN" dirty="0"/>
+              <a:t>\"</a:t>
+            </a:r>
+            <a:r>
+              <a:rPr lang="zh-CN" altLang="en-US" dirty="0"/>
+              <a:t>厕所革命</a:t>
+            </a:r>
+            <a:r>
+              <a:rPr lang="en-US" altLang="zh-CN" dirty="0" smtClean="0"/>
+              <a:t>\"“ ;</a:t>
+            </a:r>
+          </a:p>
+          <a:p>
+            <a:r>
+              <a:rPr lang="en-US" altLang="zh-CN" dirty="0" smtClean="0"/>
+              <a:t>String t = new (</a:t>
+            </a:r>
+            <a:r>
+              <a:rPr lang="zh-CN" altLang="en-US" dirty="0" smtClean="0"/>
+              <a:t>”怎样学</a:t>
+            </a:r>
+            <a:r>
+              <a:rPr lang="en-US" altLang="zh-CN" dirty="0" smtClean="0"/>
+              <a:t>Java“ ) ;</a:t>
+            </a:r>
+          </a:p>
+          <a:p>
+            <a:r>
+              <a:rPr lang="en-US" altLang="zh-CN" dirty="0" smtClean="0"/>
+              <a:t>String u(“</a:t>
+            </a:r>
+            <a:r>
+              <a:rPr lang="zh-CN" altLang="en-US" dirty="0"/>
+              <a:t>怎样学</a:t>
+            </a:r>
+            <a:r>
+              <a:rPr lang="en-US" altLang="zh-CN" dirty="0"/>
+              <a:t>Java</a:t>
+            </a:r>
+            <a:r>
+              <a:rPr lang="en-US" altLang="zh-CN" dirty="0" smtClean="0"/>
+              <a:t>”) ;  // </a:t>
+            </a:r>
+            <a:r>
+              <a:rPr lang="zh-CN" altLang="en-US" dirty="0" smtClean="0"/>
+              <a:t>语法错误</a:t>
+            </a:r>
+            <a:endParaRPr lang="en-US" altLang="zh-CN" dirty="0" smtClean="0"/>
+          </a:p>
+          <a:p>
+            <a:r>
+              <a:rPr lang="zh-CN" altLang="en-US" dirty="0" smtClean="0"/>
+              <a:t>测试变量的类型</a:t>
+            </a:r>
+            <a:endParaRPr lang="en-US" altLang="zh-CN" dirty="0" smtClean="0"/>
+          </a:p>
+          <a:p>
+            <a:pPr lvl="1"/>
+            <a:r>
+              <a:rPr lang="en-US" altLang="zh-CN" dirty="0" smtClean="0"/>
+              <a:t>t </a:t>
+            </a:r>
+            <a:r>
+              <a:rPr lang="en-US" altLang="zh-CN" dirty="0" err="1" smtClean="0"/>
+              <a:t>instanceof</a:t>
+            </a:r>
+            <a:r>
+              <a:rPr lang="en-US" altLang="zh-CN" dirty="0" smtClean="0"/>
+              <a:t> String</a:t>
+            </a:r>
+          </a:p>
+          <a:p>
+            <a:endParaRPr lang="zh-CN" altLang="en-US" dirty="0"/>
+          </a:p>
+        </p:txBody>
+      </p:sp>
+    </p:spTree>
+    <p:extLst>
+      <p:ext uri="{BB962C8B-B14F-4D97-AF65-F5344CB8AC3E}">
+        <p14:creationId xmlns:p14="http://schemas.microsoft.com/office/powerpoint/2010/main" val="2624563235"/>
+      </p:ext>
+    </p:extLst>
+  </p:cSld>
+  <p:clrMapOvr>
+    <a:masterClrMapping/>
+  </p:clrMapOvr>
+  <p:timing>
+    <p:tnLst>
+      <p:par>
+        <p:cTn id="1" dur="indefinite" restart="never" nodeType="tmRoot"/>
+      </p:par>
+    </p:tnLst>
+  </p:timing>
+</p:sld>
+</file>
+
+<file path=ppt/slides/slide21.xml><?xml version="1.0" encoding="utf-8"?>
+<p:sld xmlns:a="http://schemas.openxmlformats.org/drawingml/2006/main" xmlns:r="http://schemas.openxmlformats.org/officeDocument/2006/relationships" xmlns:p="http://schemas.openxmlformats.org/presentationml/2006/main">
+  <p:cSld>
+    <p:spTree>
+      <p:nvGrpSpPr>
+        <p:cNvPr id="1" name=""/>
+        <p:cNvGrpSpPr/>
+        <p:nvPr/>
+      </p:nvGrpSpPr>
+      <p:grpSpPr>
+        <a:xfrm>
+          <a:off x="0" y="0"/>
+          <a:ext cx="0" cy="0"/>
+          <a:chOff x="0" y="0"/>
+          <a:chExt cx="0" cy="0"/>
+        </a:xfrm>
+      </p:grpSpPr>
+      <p:sp>
+        <p:nvSpPr>
+          <p:cNvPr id="2" name="标题 1"/>
+          <p:cNvSpPr>
+            <a:spLocks noGrp="1"/>
+          </p:cNvSpPr>
+          <p:nvPr>
+            <p:ph type="title"/>
+          </p:nvPr>
+        </p:nvSpPr>
+        <p:spPr/>
+        <p:txBody>
+          <a:bodyPr>
+            <a:normAutofit fontScale="90000"/>
+          </a:bodyPr>
+          <a:lstStyle/>
+          <a:p>
+            <a:r>
+              <a:rPr lang="zh-CN" altLang="en-US" dirty="0" smtClean="0"/>
+              <a:t>未初始化的变量的初始值</a:t>
+            </a:r>
+            <a:endParaRPr lang="zh-CN" altLang="en-US" dirty="0"/>
+          </a:p>
+        </p:txBody>
+      </p:sp>
+      <p:sp>
+        <p:nvSpPr>
+          <p:cNvPr id="3" name="内容占位符 2"/>
+          <p:cNvSpPr>
+            <a:spLocks noGrp="1"/>
+          </p:cNvSpPr>
+          <p:nvPr>
+            <p:ph idx="1"/>
+          </p:nvPr>
+        </p:nvSpPr>
+        <p:spPr/>
+        <p:txBody>
+          <a:bodyPr/>
+          <a:lstStyle/>
+          <a:p>
+            <a:r>
+              <a:rPr lang="zh-CN" altLang="en-US" dirty="0" smtClean="0"/>
+              <a:t>在方法内部声明的变量的初始值</a:t>
+            </a:r>
+            <a:endParaRPr lang="en-US" altLang="zh-CN" dirty="0" smtClean="0"/>
+          </a:p>
+          <a:p>
+            <a:pPr lvl="1"/>
+            <a:r>
+              <a:rPr lang="zh-CN" altLang="en-US" dirty="0" smtClean="0"/>
+              <a:t>未定义</a:t>
+            </a:r>
+            <a:endParaRPr lang="en-US" altLang="zh-CN" dirty="0" smtClean="0"/>
+          </a:p>
+          <a:p>
+            <a:r>
+              <a:rPr lang="zh-CN" altLang="en-US" dirty="0" smtClean="0"/>
+              <a:t>在类中声明的属性和静态变量：</a:t>
+            </a:r>
+            <a:endParaRPr lang="en-US" altLang="zh-CN" dirty="0" smtClean="0"/>
+          </a:p>
+          <a:p>
+            <a:pPr lvl="1"/>
+            <a:r>
+              <a:rPr lang="en-US" altLang="zh-CN" dirty="0" err="1"/>
+              <a:t>b</a:t>
+            </a:r>
+            <a:r>
+              <a:rPr lang="en-US" altLang="zh-CN" dirty="0" err="1" smtClean="0"/>
+              <a:t>oolean</a:t>
+            </a:r>
+            <a:r>
+              <a:rPr lang="en-US" altLang="zh-CN" dirty="0" smtClean="0"/>
+              <a:t>: false</a:t>
+            </a:r>
+          </a:p>
+          <a:p>
+            <a:pPr lvl="1"/>
+            <a:r>
+              <a:rPr lang="zh-CN" altLang="en-US" dirty="0" smtClean="0"/>
+              <a:t>字符和数值， </a:t>
+            </a:r>
+            <a:r>
+              <a:rPr lang="en-US" altLang="zh-CN" dirty="0" smtClean="0"/>
+              <a:t>0</a:t>
+            </a:r>
+          </a:p>
+          <a:p>
+            <a:pPr lvl="1"/>
+            <a:r>
+              <a:rPr lang="zh-CN" altLang="en-US" dirty="0" smtClean="0"/>
+              <a:t>引用类型的值， </a:t>
+            </a:r>
+            <a:r>
+              <a:rPr lang="en-US" altLang="zh-CN" dirty="0" smtClean="0"/>
+              <a:t>null</a:t>
+            </a:r>
+          </a:p>
+          <a:p>
+            <a:pPr lvl="1"/>
+            <a:endParaRPr lang="zh-CN" altLang="en-US" dirty="0"/>
+          </a:p>
+        </p:txBody>
+      </p:sp>
+    </p:spTree>
+    <p:extLst>
+      <p:ext uri="{BB962C8B-B14F-4D97-AF65-F5344CB8AC3E}">
+        <p14:creationId xmlns:p14="http://schemas.microsoft.com/office/powerpoint/2010/main" val="1784651875"/>
+      </p:ext>
+    </p:extLst>
+  </p:cSld>
+  <p:clrMapOvr>
+    <a:masterClrMapping/>
+  </p:clrMapOvr>
+  <p:timing>
+    <p:tnLst>
+      <p:par>
+        <p:cTn id="1" dur="indefinite" restart="never" nodeType="tmRoot"/>
+      </p:par>
+    </p:tnLst>
+  </p:timing>
+</p:sld>
+</file>
+
+<file path=ppt/slides/slide22.xml><?xml version="1.0" encoding="utf-8"?>
+<p:sld xmlns:a="http://schemas.openxmlformats.org/drawingml/2006/main" xmlns:r="http://schemas.openxmlformats.org/officeDocument/2006/relationships" xmlns:p="http://schemas.openxmlformats.org/presentationml/2006/main">
+  <p:cSld>
+    <p:spTree>
+      <p:nvGrpSpPr>
+        <p:cNvPr id="1" name=""/>
+        <p:cNvGrpSpPr/>
+        <p:nvPr/>
+      </p:nvGrpSpPr>
+      <p:grpSpPr>
+        <a:xfrm>
+          <a:off x="0" y="0"/>
+          <a:ext cx="0" cy="0"/>
+          <a:chOff x="0" y="0"/>
+          <a:chExt cx="0" cy="0"/>
+        </a:xfrm>
+      </p:grpSpPr>
+      <p:sp>
+        <p:nvSpPr>
+          <p:cNvPr id="2" name="标题 1"/>
+          <p:cNvSpPr>
+            <a:spLocks noGrp="1"/>
+          </p:cNvSpPr>
+          <p:nvPr>
+            <p:ph type="title"/>
+          </p:nvPr>
+        </p:nvSpPr>
+        <p:spPr/>
+        <p:txBody>
+          <a:bodyPr>
+            <a:normAutofit fontScale="90000"/>
+          </a:bodyPr>
+          <a:lstStyle/>
+          <a:p>
+            <a:r>
+              <a:rPr lang="zh-CN" altLang="en-US" dirty="0"/>
+              <a:t>注释</a:t>
+            </a:r>
+          </a:p>
+        </p:txBody>
+      </p:sp>
+      <p:sp>
+        <p:nvSpPr>
+          <p:cNvPr id="3" name="内容占位符 2"/>
+          <p:cNvSpPr>
+            <a:spLocks noGrp="1"/>
+          </p:cNvSpPr>
+          <p:nvPr>
+            <p:ph idx="1"/>
+          </p:nvPr>
+        </p:nvSpPr>
+        <p:spPr/>
+        <p:txBody>
+          <a:bodyPr/>
+          <a:lstStyle/>
+          <a:p>
+            <a:r>
+              <a:rPr lang="en-US" altLang="zh-CN" dirty="0" smtClean="0"/>
+              <a:t>//  </a:t>
+            </a:r>
+            <a:r>
+              <a:rPr lang="zh-CN" altLang="en-US" dirty="0" smtClean="0"/>
+              <a:t>单行注释</a:t>
+            </a:r>
+            <a:endParaRPr lang="en-US" altLang="zh-CN" dirty="0" smtClean="0"/>
+          </a:p>
+          <a:p>
+            <a:r>
+              <a:rPr lang="en-US" altLang="zh-CN" dirty="0" smtClean="0"/>
+              <a:t>/*   </a:t>
+            </a:r>
+            <a:r>
+              <a:rPr lang="zh-CN" altLang="en-US" dirty="0" smtClean="0"/>
+              <a:t>多行注释</a:t>
+            </a:r>
+            <a:r>
+              <a:rPr lang="en-US" altLang="zh-CN" dirty="0" smtClean="0"/>
+              <a:t>   */</a:t>
+            </a:r>
+          </a:p>
+          <a:p>
+            <a:r>
+              <a:rPr lang="en-US" altLang="zh-CN" dirty="0" smtClean="0"/>
+              <a:t>/**  </a:t>
+            </a:r>
+            <a:r>
+              <a:rPr lang="zh-CN" altLang="en-US" dirty="0" smtClean="0"/>
+              <a:t>类，方法和属性的注释</a:t>
+            </a:r>
+            <a:r>
+              <a:rPr lang="en-US" altLang="zh-CN" dirty="0" smtClean="0"/>
+              <a:t>  */</a:t>
+            </a:r>
+          </a:p>
+          <a:p>
+            <a:pPr lvl="1"/>
+            <a:r>
+              <a:rPr lang="zh-CN" altLang="en-US" dirty="0" smtClean="0"/>
+              <a:t>这些注释由</a:t>
+            </a:r>
+            <a:r>
+              <a:rPr lang="en-US" altLang="zh-CN" dirty="0" err="1" smtClean="0"/>
+              <a:t>javadoc</a:t>
+            </a:r>
+            <a:r>
+              <a:rPr lang="zh-CN" altLang="en-US" dirty="0" smtClean="0"/>
+              <a:t>命令处理，进入</a:t>
+            </a:r>
+            <a:r>
+              <a:rPr lang="en-US" altLang="zh-CN" dirty="0" err="1" smtClean="0"/>
+              <a:t>JavaDoc</a:t>
+            </a:r>
+            <a:r>
+              <a:rPr lang="zh-CN" altLang="en-US" dirty="0" smtClean="0"/>
+              <a:t>文件</a:t>
+            </a:r>
+            <a:r>
+              <a:rPr lang="en-US" altLang="zh-CN" dirty="0" smtClean="0"/>
+              <a:t>(.html)</a:t>
+            </a:r>
+            <a:r>
+              <a:rPr lang="zh-CN" altLang="en-US" dirty="0" smtClean="0"/>
+              <a:t>中</a:t>
+            </a:r>
+            <a:endParaRPr lang="zh-CN" altLang="en-US" dirty="0"/>
+          </a:p>
+        </p:txBody>
+      </p:sp>
+    </p:spTree>
+    <p:extLst>
+      <p:ext uri="{BB962C8B-B14F-4D97-AF65-F5344CB8AC3E}">
+        <p14:creationId xmlns:p14="http://schemas.microsoft.com/office/powerpoint/2010/main" val="2360513879"/>
+      </p:ext>
+    </p:extLst>
+  </p:cSld>
+  <p:clrMapOvr>
+    <a:masterClrMapping/>
+  </p:clrMapOvr>
+  <p:timing>
+    <p:tnLst>
+      <p:par>
+        <p:cTn id="1" dur="indefinite" restart="never" nodeType="tmRoot"/>
+      </p:par>
+    </p:tnLst>
+  </p:timing>
+</p:sld>
+</file>
+
+<file path=ppt/slides/slide23.xml><?xml version="1.0" encoding="utf-8"?>
+<p:sld xmlns:a="http://schemas.openxmlformats.org/drawingml/2006/main" xmlns:r="http://schemas.openxmlformats.org/officeDocument/2006/relationships" xmlns:p="http://schemas.openxmlformats.org/presentationml/2006/main">
+  <p:cSld>
+    <p:spTree>
+      <p:nvGrpSpPr>
+        <p:cNvPr id="1" name=""/>
+        <p:cNvGrpSpPr/>
+        <p:nvPr/>
+      </p:nvGrpSpPr>
+      <p:grpSpPr>
+        <a:xfrm>
+          <a:off x="0" y="0"/>
+          <a:ext cx="0" cy="0"/>
+          <a:chOff x="0" y="0"/>
+          <a:chExt cx="0" cy="0"/>
+        </a:xfrm>
+      </p:grpSpPr>
+      <p:sp>
+        <p:nvSpPr>
+          <p:cNvPr id="2" name="标题 1"/>
+          <p:cNvSpPr>
+            <a:spLocks noGrp="1"/>
+          </p:cNvSpPr>
+          <p:nvPr>
+            <p:ph type="title"/>
+          </p:nvPr>
+        </p:nvSpPr>
+        <p:spPr/>
+        <p:txBody>
+          <a:bodyPr>
+            <a:normAutofit fontScale="90000"/>
+          </a:bodyPr>
+          <a:lstStyle/>
+          <a:p>
+            <a:r>
+              <a:rPr lang="en-US" altLang="zh-CN" dirty="0" smtClean="0"/>
+              <a:t>Wrapper</a:t>
+            </a:r>
+            <a:r>
+              <a:rPr lang="zh-CN" altLang="en-US" dirty="0" smtClean="0"/>
+              <a:t>类</a:t>
+            </a:r>
+            <a:endParaRPr lang="zh-CN" altLang="en-US" dirty="0"/>
+          </a:p>
+        </p:txBody>
+      </p:sp>
+      <p:sp>
+        <p:nvSpPr>
+          <p:cNvPr id="3" name="内容占位符 2"/>
+          <p:cNvSpPr>
+            <a:spLocks noGrp="1"/>
+          </p:cNvSpPr>
+          <p:nvPr>
+            <p:ph idx="1"/>
+          </p:nvPr>
+        </p:nvSpPr>
+        <p:spPr/>
+        <p:txBody>
+          <a:bodyPr/>
+          <a:lstStyle/>
+          <a:p>
+            <a:endParaRPr lang="zh-CN" altLang="en-US"/>
+          </a:p>
+        </p:txBody>
+      </p:sp>
+      <p:pic>
+        <p:nvPicPr>
+          <p:cNvPr id="2050" name="Picture 2"/>
+          <p:cNvPicPr>
+            <a:picLocks noChangeAspect="1" noChangeArrowheads="1"/>
+          </p:cNvPicPr>
+          <p:nvPr/>
+        </p:nvPicPr>
+        <p:blipFill>
+          <a:blip r:embed="rId2">
+            <a:extLst>
+              <a:ext uri="{28A0092B-C50C-407E-A947-70E740481C1C}">
+                <a14:useLocalDpi xmlns:a14="http://schemas.microsoft.com/office/drawing/2010/main" val="0"/>
+              </a:ext>
+            </a:extLst>
+          </a:blip>
+          <a:srcRect/>
+          <a:stretch>
+            <a:fillRect/>
+          </a:stretch>
+        </p:blipFill>
+        <p:spPr bwMode="auto">
+          <a:xfrm>
+            <a:off x="1187624" y="1844824"/>
+            <a:ext cx="6509596" cy="3643302"/>
+          </a:xfrm>
+          <a:prstGeom prst="rect">
+            <a:avLst/>
+          </a:prstGeom>
+          <a:noFill/>
+          <a:ln>
+            <a:noFill/>
+          </a:ln>
+          <a:extLst>
+            <a:ext uri="{909E8E84-426E-40DD-AFC4-6F175D3DCCD1}">
+              <a14:hiddenFill xmlns:a14="http://schemas.microsoft.com/office/drawing/2010/main">
+                <a:solidFill>
+                  <a:schemeClr val="accent1"/>
+                </a:solidFill>
+              </a14:hiddenFill>
+            </a:ext>
+            <a:ext uri="{91240B29-F687-4F45-9708-019B960494DF}">
+              <a14:hiddenLine xmlns:a14="http://schemas.microsoft.com/office/drawing/2010/main" w="9525">
+                <a:solidFill>
+                  <a:schemeClr val="tx1"/>
+                </a:solidFill>
+                <a:miter lim="800000"/>
+                <a:headEnd/>
+                <a:tailEnd/>
+              </a14:hiddenLine>
+            </a:ext>
+          </a:extLst>
+        </p:spPr>
+      </p:pic>
+    </p:spTree>
+    <p:extLst>
+      <p:ext uri="{BB962C8B-B14F-4D97-AF65-F5344CB8AC3E}">
+        <p14:creationId xmlns:p14="http://schemas.microsoft.com/office/powerpoint/2010/main" val="2561913167"/>
+      </p:ext>
+    </p:extLst>
+  </p:cSld>
+  <p:clrMapOvr>
+    <a:masterClrMapping/>
+  </p:clrMapOvr>
+  <p:timing>
+    <p:tnLst>
+      <p:par>
+        <p:cTn id="1" dur="indefinite" restart="never" nodeType="tmRoot"/>
+      </p:par>
+    </p:tnLst>
+  </p:timing>
+</p:sld>
+</file>
+
+<file path=ppt/slides/slide24.xml><?xml version="1.0" encoding="utf-8"?>
+<p:sld xmlns:a="http://schemas.openxmlformats.org/drawingml/2006/main" xmlns:r="http://schemas.openxmlformats.org/officeDocument/2006/relationships" xmlns:p="http://schemas.openxmlformats.org/presentationml/2006/main">
+  <p:cSld>
+    <p:spTree>
+      <p:nvGrpSpPr>
+        <p:cNvPr id="1" name=""/>
+        <p:cNvGrpSpPr/>
+        <p:nvPr/>
+      </p:nvGrpSpPr>
+      <p:grpSpPr>
+        <a:xfrm>
+          <a:off x="0" y="0"/>
+          <a:ext cx="0" cy="0"/>
+          <a:chOff x="0" y="0"/>
+          <a:chExt cx="0" cy="0"/>
+        </a:xfrm>
+      </p:grpSpPr>
+      <p:sp>
+        <p:nvSpPr>
+          <p:cNvPr id="2" name="标题 1"/>
+          <p:cNvSpPr>
+            <a:spLocks noGrp="1"/>
+          </p:cNvSpPr>
+          <p:nvPr>
+            <p:ph type="title"/>
+          </p:nvPr>
+        </p:nvSpPr>
+        <p:spPr/>
+        <p:txBody>
+          <a:bodyPr>
+            <a:normAutofit fontScale="90000"/>
+          </a:bodyPr>
+          <a:lstStyle/>
+          <a:p>
+            <a:r>
+              <a:rPr lang="zh-CN" altLang="en-US" dirty="0" smtClean="0"/>
+              <a:t>控制语句</a:t>
+            </a:r>
+            <a:endParaRPr lang="zh-CN" altLang="en-US" dirty="0"/>
+          </a:p>
+        </p:txBody>
+      </p:sp>
+      <p:sp>
+        <p:nvSpPr>
+          <p:cNvPr id="3" name="内容占位符 2"/>
+          <p:cNvSpPr>
+            <a:spLocks noGrp="1"/>
+          </p:cNvSpPr>
+          <p:nvPr>
+            <p:ph idx="1"/>
+          </p:nvPr>
+        </p:nvSpPr>
+        <p:spPr/>
+        <p:txBody>
+          <a:bodyPr>
+            <a:normAutofit fontScale="92500" lnSpcReduction="20000"/>
+          </a:bodyPr>
+          <a:lstStyle/>
+          <a:p>
+            <a:r>
+              <a:rPr lang="en-US" altLang="zh-CN" dirty="0" smtClean="0"/>
+              <a:t>if</a:t>
+            </a:r>
+          </a:p>
+          <a:p>
+            <a:r>
+              <a:rPr lang="en-US" altLang="zh-CN" dirty="0" smtClean="0"/>
+              <a:t>for</a:t>
+            </a:r>
+          </a:p>
+          <a:p>
+            <a:r>
+              <a:rPr lang="en-US" altLang="zh-CN" dirty="0" smtClean="0"/>
+              <a:t>while</a:t>
+            </a:r>
+          </a:p>
+          <a:p>
+            <a:r>
+              <a:rPr lang="en-US" altLang="zh-CN" dirty="0" smtClean="0"/>
+              <a:t>do while</a:t>
+            </a:r>
+          </a:p>
+          <a:p>
+            <a:r>
+              <a:rPr lang="en-US" altLang="zh-CN" dirty="0" smtClean="0"/>
+              <a:t>switch (</a:t>
+            </a:r>
+            <a:r>
+              <a:rPr lang="zh-CN" altLang="en-US" dirty="0"/>
+              <a:t>基本</a:t>
+            </a:r>
+            <a:r>
+              <a:rPr lang="zh-CN" altLang="en-US" dirty="0" smtClean="0"/>
+              <a:t>类型和</a:t>
+            </a:r>
+            <a:r>
+              <a:rPr lang="en-US" altLang="zh-CN" dirty="0" smtClean="0"/>
+              <a:t>String</a:t>
+            </a:r>
+            <a:r>
+              <a:rPr lang="zh-CN" altLang="en-US" dirty="0" smtClean="0"/>
+              <a:t>类型</a:t>
+            </a:r>
+            <a:r>
+              <a:rPr lang="en-US" altLang="zh-CN" dirty="0" smtClean="0"/>
+              <a:t>)</a:t>
+            </a:r>
+          </a:p>
+          <a:p>
+            <a:pPr lvl="1"/>
+            <a:r>
+              <a:rPr lang="en-US" altLang="zh-CN" dirty="0" smtClean="0"/>
+              <a:t>break, default</a:t>
+            </a:r>
+          </a:p>
+          <a:p>
+            <a:r>
+              <a:rPr lang="en-US" altLang="zh-CN" dirty="0"/>
+              <a:t>r</a:t>
+            </a:r>
+            <a:r>
+              <a:rPr lang="en-US" altLang="zh-CN" dirty="0" smtClean="0"/>
+              <a:t>eturn</a:t>
+            </a:r>
+          </a:p>
+          <a:p>
+            <a:r>
+              <a:rPr lang="en-US" altLang="zh-CN" dirty="0"/>
+              <a:t>throw</a:t>
+            </a:r>
+            <a:endParaRPr lang="en-US" altLang="zh-CN" dirty="0" smtClean="0"/>
+          </a:p>
+          <a:p>
+            <a:r>
+              <a:rPr lang="zh-CN" altLang="en-US" dirty="0" smtClean="0"/>
+              <a:t>没有</a:t>
+            </a:r>
+            <a:r>
+              <a:rPr lang="en-US" altLang="zh-CN" dirty="0" err="1" smtClean="0"/>
+              <a:t>goto</a:t>
+            </a:r>
+            <a:endParaRPr lang="en-US" altLang="zh-CN" dirty="0" smtClean="0"/>
+          </a:p>
+          <a:p>
+            <a:r>
+              <a:rPr lang="zh-CN" altLang="en-US" dirty="0" smtClean="0"/>
+              <a:t>注：</a:t>
+            </a:r>
+            <a:r>
+              <a:rPr lang="en-US" altLang="zh-CN" dirty="0"/>
+              <a:t> </a:t>
+            </a:r>
+            <a:r>
+              <a:rPr lang="zh-CN" altLang="en-US" dirty="0" smtClean="0"/>
+              <a:t>非</a:t>
+            </a:r>
+            <a:r>
+              <a:rPr lang="en-US" altLang="zh-CN" dirty="0"/>
+              <a:t>0</a:t>
+            </a:r>
+            <a:r>
+              <a:rPr lang="zh-CN" altLang="en-US" dirty="0"/>
+              <a:t>不是</a:t>
+            </a:r>
+            <a:r>
+              <a:rPr lang="en-US" altLang="zh-CN" dirty="0"/>
+              <a:t>true, 0</a:t>
+            </a:r>
+            <a:r>
+              <a:rPr lang="zh-CN" altLang="en-US" dirty="0"/>
+              <a:t>不是</a:t>
+            </a:r>
+            <a:r>
+              <a:rPr lang="en-US" altLang="zh-CN" dirty="0"/>
+              <a:t>false</a:t>
+            </a:r>
+            <a:endParaRPr lang="zh-CN" altLang="en-US" dirty="0"/>
+          </a:p>
+        </p:txBody>
+      </p:sp>
+    </p:spTree>
+    <p:extLst>
+      <p:ext uri="{BB962C8B-B14F-4D97-AF65-F5344CB8AC3E}">
+        <p14:creationId xmlns:p14="http://schemas.microsoft.com/office/powerpoint/2010/main" val="3642174191"/>
+      </p:ext>
+    </p:extLst>
+  </p:cSld>
+  <p:clrMapOvr>
+    <a:masterClrMapping/>
+  </p:clrMapOvr>
+  <p:timing>
+    <p:tnLst>
+      <p:par>
+        <p:cTn id="1" dur="indefinite" restart="never" nodeType="tmRoot"/>
+      </p:par>
+    </p:tnLst>
+  </p:timing>
+</p:sld>
+</file>
+
+<file path=ppt/slides/slide25.xml><?xml version="1.0" encoding="utf-8"?>
+<p:sld xmlns:a="http://schemas.openxmlformats.org/drawingml/2006/main" xmlns:r="http://schemas.openxmlformats.org/officeDocument/2006/relationships" xmlns:p="http://schemas.openxmlformats.org/presentationml/2006/main">
+  <p:cSld>
+    <p:spTree>
+      <p:nvGrpSpPr>
+        <p:cNvPr id="1" name=""/>
+        <p:cNvGrpSpPr/>
+        <p:nvPr/>
+      </p:nvGrpSpPr>
+      <p:grpSpPr>
+        <a:xfrm>
+          <a:off x="0" y="0"/>
+          <a:ext cx="0" cy="0"/>
+          <a:chOff x="0" y="0"/>
+          <a:chExt cx="0" cy="0"/>
+        </a:xfrm>
+      </p:grpSpPr>
+      <p:sp>
+        <p:nvSpPr>
+          <p:cNvPr id="2" name="标题 1"/>
+          <p:cNvSpPr>
+            <a:spLocks noGrp="1"/>
+          </p:cNvSpPr>
+          <p:nvPr>
+            <p:ph type="title"/>
+          </p:nvPr>
+        </p:nvSpPr>
+        <p:spPr/>
+        <p:txBody>
+          <a:bodyPr>
+            <a:normAutofit fontScale="90000"/>
+          </a:bodyPr>
+          <a:lstStyle/>
+          <a:p>
+            <a:r>
+              <a:rPr lang="zh-CN" altLang="en-US" dirty="0"/>
+              <a:t>运算符</a:t>
+            </a:r>
+          </a:p>
+        </p:txBody>
+      </p:sp>
+      <p:sp>
+        <p:nvSpPr>
+          <p:cNvPr id="3" name="内容占位符 2"/>
+          <p:cNvSpPr>
+            <a:spLocks noGrp="1"/>
+          </p:cNvSpPr>
+          <p:nvPr>
+            <p:ph idx="1"/>
+          </p:nvPr>
+        </p:nvSpPr>
+        <p:spPr/>
+        <p:txBody>
+          <a:bodyPr/>
+          <a:lstStyle/>
+          <a:p>
+            <a:pPr>
+              <a:lnSpc>
+                <a:spcPct val="80000"/>
+              </a:lnSpc>
+            </a:pPr>
+            <a:r>
+              <a:rPr lang="zh-CN" altLang="en-US" dirty="0"/>
+              <a:t>算术运算符：</a:t>
+            </a:r>
+            <a:r>
+              <a:rPr lang="en-US" altLang="zh-CN" dirty="0"/>
+              <a:t>+ , -, * / ,% ,++ ,--</a:t>
+            </a:r>
+          </a:p>
+          <a:p>
+            <a:pPr>
+              <a:lnSpc>
+                <a:spcPct val="80000"/>
+              </a:lnSpc>
+            </a:pPr>
+            <a:r>
+              <a:rPr lang="zh-CN" altLang="en-US" dirty="0" smtClean="0"/>
+              <a:t>赋值</a:t>
+            </a:r>
+            <a:r>
+              <a:rPr lang="zh-CN" altLang="en-US" dirty="0"/>
+              <a:t>运算符：</a:t>
+            </a:r>
+            <a:r>
+              <a:rPr lang="en-US" altLang="zh-CN" dirty="0"/>
+              <a:t>=</a:t>
+            </a:r>
+            <a:r>
+              <a:rPr lang="zh-CN" altLang="en-US" dirty="0"/>
+              <a:t>、</a:t>
+            </a:r>
+            <a:r>
+              <a:rPr lang="en-US" altLang="zh-CN" dirty="0"/>
+              <a:t>+=</a:t>
+            </a:r>
+            <a:r>
+              <a:rPr lang="zh-CN" altLang="en-US" dirty="0"/>
+              <a:t>、*</a:t>
+            </a:r>
+            <a:r>
+              <a:rPr lang="en-US" altLang="zh-CN" dirty="0"/>
+              <a:t>=</a:t>
+            </a:r>
+            <a:r>
+              <a:rPr lang="zh-CN" altLang="en-US" dirty="0"/>
+              <a:t>、</a:t>
+            </a:r>
+            <a:r>
+              <a:rPr lang="en-US" altLang="zh-CN" dirty="0"/>
+              <a:t>/=</a:t>
+            </a:r>
+            <a:r>
+              <a:rPr lang="zh-CN" altLang="en-US" dirty="0"/>
+              <a:t>、</a:t>
+            </a:r>
+            <a:r>
+              <a:rPr lang="en-US" altLang="zh-CN" dirty="0"/>
+              <a:t>%=;</a:t>
+            </a:r>
+          </a:p>
+          <a:p>
+            <a:pPr>
+              <a:lnSpc>
+                <a:spcPct val="80000"/>
+              </a:lnSpc>
+            </a:pPr>
+            <a:r>
+              <a:rPr lang="zh-CN" altLang="en-US" dirty="0"/>
+              <a:t>位运算符：</a:t>
+            </a:r>
+            <a:r>
+              <a:rPr lang="en-US" altLang="zh-CN" dirty="0"/>
+              <a:t>&amp;</a:t>
+            </a:r>
+            <a:r>
+              <a:rPr lang="zh-CN" altLang="en-US" dirty="0"/>
+              <a:t>、 </a:t>
+            </a:r>
+            <a:r>
+              <a:rPr lang="en-US" altLang="zh-CN" dirty="0"/>
+              <a:t>|</a:t>
+            </a:r>
+            <a:r>
+              <a:rPr lang="zh-CN" altLang="en-US" dirty="0"/>
+              <a:t>、 </a:t>
+            </a:r>
+            <a:r>
+              <a:rPr lang="en-US" altLang="zh-CN" dirty="0"/>
+              <a:t>~ </a:t>
+            </a:r>
+            <a:r>
+              <a:rPr lang="zh-CN" altLang="en-US" dirty="0"/>
+              <a:t>、</a:t>
+            </a:r>
+            <a:r>
+              <a:rPr lang="en-US" altLang="zh-CN" dirty="0"/>
+              <a:t>^</a:t>
+            </a:r>
+            <a:r>
+              <a:rPr lang="zh-CN" altLang="en-US" dirty="0"/>
+              <a:t>、 </a:t>
+            </a:r>
+            <a:r>
+              <a:rPr lang="en-US" altLang="zh-CN" dirty="0"/>
+              <a:t>&lt;&lt; </a:t>
+            </a:r>
+            <a:r>
+              <a:rPr lang="zh-CN" altLang="en-US" dirty="0"/>
+              <a:t>、</a:t>
+            </a:r>
+            <a:r>
+              <a:rPr lang="en-US" altLang="zh-CN" dirty="0"/>
+              <a:t>&gt;&gt;</a:t>
+            </a:r>
+            <a:r>
+              <a:rPr lang="zh-CN" altLang="en-US" dirty="0"/>
+              <a:t>、 </a:t>
+            </a:r>
+            <a:r>
+              <a:rPr lang="en-US" altLang="zh-CN" dirty="0"/>
+              <a:t>&gt;&gt;&gt;</a:t>
+            </a:r>
+            <a:r>
+              <a:rPr lang="zh-CN" altLang="en-US" dirty="0" smtClean="0"/>
+              <a:t>。</a:t>
+            </a:r>
+            <a:endParaRPr lang="zh-CN" altLang="en-US" dirty="0"/>
+          </a:p>
+          <a:p>
+            <a:pPr>
+              <a:lnSpc>
+                <a:spcPct val="80000"/>
+              </a:lnSpc>
+            </a:pPr>
+            <a:r>
+              <a:rPr lang="zh-CN" altLang="en-US" dirty="0"/>
+              <a:t>比较运算符</a:t>
+            </a:r>
+            <a:r>
+              <a:rPr lang="en-US" altLang="zh-CN" dirty="0"/>
+              <a:t>&lt;</a:t>
+            </a:r>
+            <a:r>
+              <a:rPr lang="zh-CN" altLang="en-US" dirty="0"/>
+              <a:t>、</a:t>
+            </a:r>
+            <a:r>
+              <a:rPr lang="en-US" altLang="zh-CN" dirty="0"/>
+              <a:t>&gt;</a:t>
+            </a:r>
+            <a:r>
+              <a:rPr lang="zh-CN" altLang="en-US" dirty="0"/>
+              <a:t>、</a:t>
+            </a:r>
+            <a:r>
+              <a:rPr lang="en-US" altLang="zh-CN" dirty="0"/>
+              <a:t>&gt;=</a:t>
+            </a:r>
+            <a:r>
+              <a:rPr lang="zh-CN" altLang="en-US" dirty="0"/>
+              <a:t>、</a:t>
+            </a:r>
+            <a:r>
+              <a:rPr lang="en-US" altLang="zh-CN" dirty="0"/>
+              <a:t>&lt;=</a:t>
+            </a:r>
+            <a:r>
+              <a:rPr lang="zh-CN" altLang="en-US" dirty="0"/>
+              <a:t>、</a:t>
+            </a:r>
+            <a:r>
+              <a:rPr lang="en-US" altLang="zh-CN" dirty="0"/>
+              <a:t>!=</a:t>
+            </a:r>
+            <a:r>
+              <a:rPr lang="zh-CN" altLang="en-US" dirty="0"/>
+              <a:t>、</a:t>
+            </a:r>
+            <a:r>
+              <a:rPr lang="en-US" altLang="zh-CN" dirty="0"/>
+              <a:t>==</a:t>
+            </a:r>
+          </a:p>
+          <a:p>
+            <a:pPr>
+              <a:lnSpc>
+                <a:spcPct val="80000"/>
+              </a:lnSpc>
+            </a:pPr>
+            <a:r>
+              <a:rPr lang="zh-CN" altLang="en-US" dirty="0"/>
+              <a:t>逻辑运算符：</a:t>
+            </a:r>
+            <a:r>
+              <a:rPr lang="en-US" altLang="zh-CN" dirty="0"/>
+              <a:t>&amp;&amp;</a:t>
+            </a:r>
+            <a:r>
+              <a:rPr lang="zh-CN" altLang="en-US" dirty="0"/>
+              <a:t>、 </a:t>
+            </a:r>
+            <a:r>
+              <a:rPr lang="en-US" altLang="zh-CN" dirty="0"/>
+              <a:t>|| </a:t>
+            </a:r>
+            <a:r>
+              <a:rPr lang="zh-CN" altLang="en-US" dirty="0"/>
+              <a:t>、</a:t>
+            </a:r>
+            <a:r>
+              <a:rPr lang="en-US" altLang="zh-CN" dirty="0"/>
+              <a:t>!</a:t>
+            </a:r>
+            <a:r>
+              <a:rPr lang="zh-CN" altLang="en-US" dirty="0"/>
+              <a:t>、 </a:t>
+            </a:r>
+            <a:r>
+              <a:rPr lang="en-US" altLang="zh-CN" dirty="0"/>
+              <a:t>^</a:t>
+            </a:r>
+          </a:p>
+          <a:p>
+            <a:pPr>
+              <a:lnSpc>
+                <a:spcPct val="80000"/>
+              </a:lnSpc>
+            </a:pPr>
+            <a:r>
+              <a:rPr lang="zh-CN" altLang="en-US" dirty="0"/>
+              <a:t>三目运算符  条件</a:t>
+            </a:r>
+            <a:r>
+              <a:rPr lang="en-US" altLang="zh-CN" dirty="0"/>
+              <a:t>? </a:t>
+            </a:r>
+            <a:r>
+              <a:rPr lang="zh-CN" altLang="en-US" dirty="0" smtClean="0"/>
+              <a:t>表达式</a:t>
+            </a:r>
+            <a:r>
+              <a:rPr lang="en-US" altLang="zh-CN" dirty="0" smtClean="0"/>
+              <a:t>1: </a:t>
+            </a:r>
+            <a:r>
+              <a:rPr lang="zh-CN" altLang="en-US" dirty="0" smtClean="0"/>
+              <a:t>表达式</a:t>
+            </a:r>
+            <a:r>
+              <a:rPr lang="en-US" altLang="zh-CN" dirty="0" smtClean="0"/>
+              <a:t>2</a:t>
+            </a:r>
+            <a:endParaRPr lang="zh-CN" altLang="en-US" dirty="0"/>
+          </a:p>
+          <a:p>
+            <a:endParaRPr lang="zh-CN" altLang="en-US" dirty="0"/>
+          </a:p>
+        </p:txBody>
+      </p:sp>
+    </p:spTree>
+    <p:extLst>
+      <p:ext uri="{BB962C8B-B14F-4D97-AF65-F5344CB8AC3E}">
+        <p14:creationId xmlns:p14="http://schemas.microsoft.com/office/powerpoint/2010/main" val="1202971936"/>
+      </p:ext>
+    </p:extLst>
+  </p:cSld>
+  <p:clrMapOvr>
+    <a:masterClrMapping/>
+  </p:clrMapOvr>
+  <p:timing>
+    <p:tnLst>
+      <p:par>
+        <p:cTn id="1" dur="indefinite" restart="never" nodeType="tmRoot"/>
+      </p:par>
+    </p:tnLst>
+  </p:timing>
+</p:sld>
+</file>
+
+<file path=ppt/slides/slide26.xml><?xml version="1.0" encoding="utf-8"?>
+<p:sld xmlns:a="http://schemas.openxmlformats.org/drawingml/2006/main" xmlns:r="http://schemas.openxmlformats.org/officeDocument/2006/relationships" xmlns:p="http://schemas.openxmlformats.org/presentationml/2006/main">
+  <p:cSld>
+    <p:spTree>
+      <p:nvGrpSpPr>
+        <p:cNvPr id="1" name=""/>
+        <p:cNvGrpSpPr/>
+        <p:nvPr/>
+      </p:nvGrpSpPr>
+      <p:grpSpPr>
+        <a:xfrm>
+          <a:off x="0" y="0"/>
+          <a:ext cx="0" cy="0"/>
+          <a:chOff x="0" y="0"/>
+          <a:chExt cx="0" cy="0"/>
+        </a:xfrm>
+      </p:grpSpPr>
+      <p:sp>
+        <p:nvSpPr>
+          <p:cNvPr id="2" name="标题 1"/>
+          <p:cNvSpPr>
+            <a:spLocks noGrp="1"/>
+          </p:cNvSpPr>
+          <p:nvPr>
+            <p:ph type="title"/>
+          </p:nvPr>
+        </p:nvSpPr>
+        <p:spPr/>
+        <p:txBody>
+          <a:bodyPr>
+            <a:normAutofit fontScale="90000"/>
+          </a:bodyPr>
+          <a:lstStyle/>
+          <a:p>
+            <a:r>
+              <a:rPr lang="zh-CN" altLang="en-US" dirty="0" smtClean="0"/>
+              <a:t>数组类型</a:t>
+            </a:r>
+            <a:endParaRPr lang="zh-CN" altLang="en-US" dirty="0"/>
+          </a:p>
+        </p:txBody>
+      </p:sp>
+      <p:sp>
+        <p:nvSpPr>
+          <p:cNvPr id="3" name="内容占位符 2"/>
+          <p:cNvSpPr>
+            <a:spLocks noGrp="1"/>
+          </p:cNvSpPr>
+          <p:nvPr>
+            <p:ph idx="1"/>
+          </p:nvPr>
+        </p:nvSpPr>
+        <p:spPr>
+          <a:xfrm>
+            <a:off x="467544" y="1052736"/>
+            <a:ext cx="8229600" cy="4525963"/>
+          </a:xfrm>
+        </p:spPr>
+        <p:txBody>
+          <a:bodyPr/>
+          <a:lstStyle/>
+          <a:p>
+            <a:r>
+              <a:rPr lang="en-US" altLang="zh-CN" dirty="0"/>
+              <a:t>double[] </a:t>
+            </a:r>
+            <a:r>
+              <a:rPr lang="en-US" altLang="zh-CN" dirty="0" err="1"/>
+              <a:t>myList</a:t>
+            </a:r>
+            <a:r>
+              <a:rPr lang="en-US" altLang="zh-CN" dirty="0"/>
+              <a:t> = new double[10</a:t>
+            </a:r>
+            <a:r>
+              <a:rPr lang="en-US" altLang="zh-CN" dirty="0" smtClean="0"/>
+              <a:t>];</a:t>
+            </a:r>
+          </a:p>
+          <a:p>
+            <a:r>
+              <a:rPr lang="en-US" altLang="zh-CN" dirty="0" err="1" smtClean="0"/>
+              <a:t>myList</a:t>
+            </a:r>
+            <a:r>
+              <a:rPr lang="en-US" altLang="zh-CN" dirty="0" smtClean="0"/>
+              <a:t>[5] = 34.33 ;</a:t>
+            </a:r>
+            <a:endParaRPr lang="zh-CN" altLang="en-US" dirty="0"/>
+          </a:p>
+        </p:txBody>
+      </p:sp>
+      <p:pic>
+        <p:nvPicPr>
+          <p:cNvPr id="3074" name="Picture 2"/>
+          <p:cNvPicPr>
+            <a:picLocks noChangeAspect="1" noChangeArrowheads="1"/>
+          </p:cNvPicPr>
+          <p:nvPr/>
+        </p:nvPicPr>
+        <p:blipFill>
+          <a:blip r:embed="rId2">
+            <a:extLst>
+              <a:ext uri="{28A0092B-C50C-407E-A947-70E740481C1C}">
+                <a14:useLocalDpi xmlns:a14="http://schemas.microsoft.com/office/drawing/2010/main" val="0"/>
+              </a:ext>
+            </a:extLst>
+          </a:blip>
+          <a:srcRect/>
+          <a:stretch>
+            <a:fillRect/>
+          </a:stretch>
+        </p:blipFill>
+        <p:spPr bwMode="auto">
+          <a:xfrm>
+            <a:off x="971600" y="2492896"/>
+            <a:ext cx="6840761" cy="3629487"/>
+          </a:xfrm>
+          <a:prstGeom prst="rect">
+            <a:avLst/>
+          </a:prstGeom>
+          <a:noFill/>
+          <a:ln>
+            <a:noFill/>
+          </a:ln>
+          <a:extLst>
+            <a:ext uri="{909E8E84-426E-40DD-AFC4-6F175D3DCCD1}">
+              <a14:hiddenFill xmlns:a14="http://schemas.microsoft.com/office/drawing/2010/main">
+                <a:solidFill>
+                  <a:schemeClr val="accent1"/>
+                </a:solidFill>
+              </a14:hiddenFill>
+            </a:ext>
+            <a:ext uri="{91240B29-F687-4F45-9708-019B960494DF}">
+              <a14:hiddenLine xmlns:a14="http://schemas.microsoft.com/office/drawing/2010/main" w="9525">
+                <a:solidFill>
+                  <a:schemeClr val="tx1"/>
+                </a:solidFill>
+                <a:miter lim="800000"/>
+                <a:headEnd/>
+                <a:tailEnd/>
+              </a14:hiddenLine>
+            </a:ext>
+          </a:extLst>
+        </p:spPr>
+      </p:pic>
+    </p:spTree>
+    <p:extLst>
+      <p:ext uri="{BB962C8B-B14F-4D97-AF65-F5344CB8AC3E}">
+        <p14:creationId xmlns:p14="http://schemas.microsoft.com/office/powerpoint/2010/main" val="2465398458"/>
+      </p:ext>
+    </p:extLst>
+  </p:cSld>
+  <p:clrMapOvr>
+    <a:masterClrMapping/>
+  </p:clrMapOvr>
+  <p:timing>
+    <p:tnLst>
+      <p:par>
+        <p:cTn id="1" dur="indefinite" restart="never" nodeType="tmRoot"/>
+      </p:par>
+    </p:tnLst>
+  </p:timing>
+</p:sld>
+</file>
+
+<file path=ppt/slides/slide27.xml><?xml version="1.0" encoding="utf-8"?>
+<p:sld xmlns:a="http://schemas.openxmlformats.org/drawingml/2006/main" xmlns:r="http://schemas.openxmlformats.org/officeDocument/2006/relationships" xmlns:p="http://schemas.openxmlformats.org/presentationml/2006/main">
+  <p:cSld>
+    <p:spTree>
+      <p:nvGrpSpPr>
+        <p:cNvPr id="1" name=""/>
+        <p:cNvGrpSpPr/>
+        <p:nvPr/>
+      </p:nvGrpSpPr>
+      <p:grpSpPr>
+        <a:xfrm>
+          <a:off x="0" y="0"/>
+          <a:ext cx="0" cy="0"/>
+          <a:chOff x="0" y="0"/>
+          <a:chExt cx="0" cy="0"/>
+        </a:xfrm>
+      </p:grpSpPr>
+      <p:sp>
+        <p:nvSpPr>
+          <p:cNvPr id="2" name="标题 1"/>
+          <p:cNvSpPr>
+            <a:spLocks noGrp="1"/>
+          </p:cNvSpPr>
+          <p:nvPr>
+            <p:ph type="title"/>
+          </p:nvPr>
+        </p:nvSpPr>
+        <p:spPr/>
+        <p:txBody>
+          <a:bodyPr>
+            <a:normAutofit fontScale="90000"/>
+          </a:bodyPr>
+          <a:lstStyle/>
+          <a:p>
+            <a:r>
+              <a:rPr lang="zh-CN" altLang="en-US" dirty="0"/>
+              <a:t>数组类型</a:t>
+            </a:r>
+          </a:p>
+        </p:txBody>
+      </p:sp>
+      <p:sp>
+        <p:nvSpPr>
+          <p:cNvPr id="3" name="内容占位符 2"/>
+          <p:cNvSpPr>
+            <a:spLocks noGrp="1"/>
+          </p:cNvSpPr>
+          <p:nvPr>
+            <p:ph idx="1"/>
+          </p:nvPr>
+        </p:nvSpPr>
+        <p:spPr/>
+        <p:txBody>
+          <a:bodyPr/>
+          <a:lstStyle/>
+          <a:p>
+            <a:pPr marL="0" indent="0">
+              <a:buNone/>
+            </a:pPr>
+            <a:r>
+              <a:rPr lang="nn-NO" altLang="zh-CN" dirty="0"/>
+              <a:t>for (int i = 0; i &lt; myList.</a:t>
+            </a:r>
+            <a:r>
+              <a:rPr lang="nn-NO" altLang="zh-CN" dirty="0">
+                <a:solidFill>
+                  <a:srgbClr val="FFC000"/>
+                </a:solidFill>
+              </a:rPr>
+              <a:t>length</a:t>
+            </a:r>
+            <a:r>
+              <a:rPr lang="nn-NO" altLang="zh-CN" dirty="0"/>
+              <a:t>; i++) {</a:t>
+            </a:r>
+          </a:p>
+          <a:p>
+            <a:pPr marL="0" indent="0">
+              <a:buNone/>
+            </a:pPr>
+            <a:r>
+              <a:rPr lang="nn-NO" altLang="zh-CN" dirty="0"/>
+              <a:t>      System.out.</a:t>
+            </a:r>
+            <a:r>
+              <a:rPr lang="nn-NO" altLang="zh-CN" dirty="0">
+                <a:solidFill>
+                  <a:srgbClr val="FFC000"/>
+                </a:solidFill>
+              </a:rPr>
+              <a:t>print</a:t>
+            </a:r>
+            <a:r>
+              <a:rPr lang="nn-NO" altLang="zh-CN" dirty="0"/>
+              <a:t>(myList[i] + " ");</a:t>
+            </a:r>
+          </a:p>
+          <a:p>
+            <a:pPr marL="0" indent="0">
+              <a:buNone/>
+            </a:pPr>
+            <a:r>
+              <a:rPr lang="nn-NO" altLang="zh-CN" dirty="0" smtClean="0"/>
+              <a:t>}</a:t>
+            </a:r>
+            <a:endParaRPr lang="en-US" altLang="zh-CN" dirty="0" smtClean="0"/>
+          </a:p>
+          <a:p>
+            <a:pPr marL="0" indent="0">
+              <a:buNone/>
+            </a:pPr>
+            <a:endParaRPr lang="en-US" altLang="zh-CN" dirty="0" smtClean="0"/>
+          </a:p>
+          <a:p>
+            <a:pPr marL="0" indent="0">
+              <a:buNone/>
+            </a:pPr>
+            <a:r>
+              <a:rPr lang="en-US" altLang="zh-CN" dirty="0"/>
+              <a:t>for (</a:t>
+            </a:r>
+            <a:r>
+              <a:rPr lang="en-US" altLang="zh-CN" dirty="0">
+                <a:solidFill>
+                  <a:srgbClr val="FFC000"/>
+                </a:solidFill>
+              </a:rPr>
+              <a:t>double element: </a:t>
+            </a:r>
+            <a:r>
+              <a:rPr lang="en-US" altLang="zh-CN" dirty="0" err="1">
+                <a:solidFill>
+                  <a:srgbClr val="FFC000"/>
+                </a:solidFill>
+              </a:rPr>
+              <a:t>myList</a:t>
+            </a:r>
+            <a:r>
+              <a:rPr lang="en-US" altLang="zh-CN" dirty="0"/>
+              <a:t>) {</a:t>
+            </a:r>
+          </a:p>
+          <a:p>
+            <a:pPr marL="0" indent="0">
+              <a:buNone/>
+            </a:pPr>
+            <a:r>
+              <a:rPr lang="en-US" altLang="zh-CN" dirty="0"/>
+              <a:t>         </a:t>
+            </a:r>
+            <a:r>
+              <a:rPr lang="en-US" altLang="zh-CN" dirty="0" err="1"/>
+              <a:t>System.out.</a:t>
+            </a:r>
+            <a:r>
+              <a:rPr lang="en-US" altLang="zh-CN" dirty="0" err="1">
+                <a:solidFill>
+                  <a:srgbClr val="FFC000"/>
+                </a:solidFill>
+              </a:rPr>
+              <a:t>println</a:t>
+            </a:r>
+            <a:r>
+              <a:rPr lang="en-US" altLang="zh-CN" dirty="0"/>
+              <a:t>(element);</a:t>
+            </a:r>
+          </a:p>
+          <a:p>
+            <a:pPr marL="0" indent="0">
+              <a:buNone/>
+            </a:pPr>
+            <a:r>
+              <a:rPr lang="en-US" altLang="zh-CN" dirty="0" smtClean="0"/>
+              <a:t>}</a:t>
+            </a:r>
+          </a:p>
+          <a:p>
+            <a:endParaRPr lang="zh-CN" altLang="en-US" dirty="0"/>
+          </a:p>
+        </p:txBody>
+      </p:sp>
+    </p:spTree>
+    <p:extLst>
+      <p:ext uri="{BB962C8B-B14F-4D97-AF65-F5344CB8AC3E}">
+        <p14:creationId xmlns:p14="http://schemas.microsoft.com/office/powerpoint/2010/main" val="2649695137"/>
+      </p:ext>
+    </p:extLst>
+  </p:cSld>
+  <p:clrMapOvr>
+    <a:masterClrMapping/>
+  </p:clrMapOvr>
+  <p:timing>
+    <p:tnLst>
+      <p:par>
+        <p:cTn id="1" dur="indefinite" restart="never" nodeType="tmRoot"/>
+      </p:par>
+    </p:tnLst>
+  </p:timing>
+</p:sld>
+</file>
+
+<file path=ppt/slides/slide28.xml><?xml version="1.0" encoding="utf-8"?>
+<p:sld xmlns:a="http://schemas.openxmlformats.org/drawingml/2006/main" xmlns:r="http://schemas.openxmlformats.org/officeDocument/2006/relationships" xmlns:p="http://schemas.openxmlformats.org/presentationml/2006/main">
+  <p:cSld>
+    <p:spTree>
+      <p:nvGrpSpPr>
+        <p:cNvPr id="1" name=""/>
+        <p:cNvGrpSpPr/>
+        <p:nvPr/>
+      </p:nvGrpSpPr>
+      <p:grpSpPr>
+        <a:xfrm>
+          <a:off x="0" y="0"/>
+          <a:ext cx="0" cy="0"/>
+          <a:chOff x="0" y="0"/>
+          <a:chExt cx="0" cy="0"/>
+        </a:xfrm>
+      </p:grpSpPr>
+      <p:sp>
+        <p:nvSpPr>
+          <p:cNvPr id="2" name="标题 1"/>
+          <p:cNvSpPr>
+            <a:spLocks noGrp="1"/>
+          </p:cNvSpPr>
+          <p:nvPr>
+            <p:ph type="title"/>
+          </p:nvPr>
+        </p:nvSpPr>
+        <p:spPr/>
+        <p:txBody>
+          <a:bodyPr>
+            <a:normAutofit fontScale="90000"/>
+          </a:bodyPr>
+          <a:lstStyle/>
+          <a:p>
+            <a:r>
+              <a:rPr lang="zh-CN" altLang="en-US" dirty="0" smtClean="0"/>
+              <a:t>数组类型 </a:t>
+            </a:r>
+            <a:r>
+              <a:rPr lang="en-US" altLang="zh-CN" dirty="0" smtClean="0"/>
+              <a:t>– </a:t>
+            </a:r>
+            <a:r>
+              <a:rPr lang="zh-CN" altLang="en-US" dirty="0" smtClean="0"/>
+              <a:t>初始化</a:t>
+            </a:r>
+            <a:endParaRPr lang="zh-CN" altLang="en-US" dirty="0"/>
+          </a:p>
+        </p:txBody>
+      </p:sp>
+      <p:sp>
+        <p:nvSpPr>
+          <p:cNvPr id="3" name="内容占位符 2"/>
+          <p:cNvSpPr>
+            <a:spLocks noGrp="1"/>
+          </p:cNvSpPr>
+          <p:nvPr>
+            <p:ph idx="1"/>
+          </p:nvPr>
+        </p:nvSpPr>
+        <p:spPr/>
+        <p:txBody>
+          <a:bodyPr/>
+          <a:lstStyle/>
+          <a:p>
+            <a:pPr marL="0" indent="0">
+              <a:buNone/>
+            </a:pPr>
+            <a:r>
+              <a:rPr lang="en-US" altLang="zh-CN" dirty="0" smtClean="0"/>
+              <a:t>String[] </a:t>
+            </a:r>
+            <a:r>
+              <a:rPr lang="en-US" altLang="zh-CN" dirty="0" err="1" smtClean="0"/>
+              <a:t>strArray</a:t>
+            </a:r>
+            <a:r>
+              <a:rPr lang="en-US" altLang="zh-CN" dirty="0" smtClean="0"/>
+              <a:t> = { </a:t>
+            </a:r>
+            <a:r>
+              <a:rPr lang="en-US" altLang="zh-CN" dirty="0" smtClean="0">
+                <a:solidFill>
+                  <a:srgbClr val="FFC000"/>
+                </a:solidFill>
+              </a:rPr>
+              <a:t>// </a:t>
+            </a:r>
+            <a:r>
+              <a:rPr lang="zh-CN" altLang="en-US" dirty="0" smtClean="0">
+                <a:solidFill>
+                  <a:srgbClr val="FFC000"/>
+                </a:solidFill>
+              </a:rPr>
+              <a:t>元素是引用类型</a:t>
+            </a:r>
+            <a:endParaRPr lang="en-US" altLang="zh-CN" dirty="0" smtClean="0">
+              <a:solidFill>
+                <a:srgbClr val="FFC000"/>
+              </a:solidFill>
+            </a:endParaRPr>
+          </a:p>
+          <a:p>
+            <a:pPr marL="0" indent="0">
+              <a:buNone/>
+            </a:pPr>
+            <a:r>
+              <a:rPr lang="en-US" altLang="zh-CN" dirty="0"/>
+              <a:t> </a:t>
+            </a:r>
+            <a:r>
+              <a:rPr lang="en-US" altLang="zh-CN" dirty="0" smtClean="0"/>
+              <a:t>    “Monday”,</a:t>
+            </a:r>
+          </a:p>
+          <a:p>
+            <a:pPr marL="0" indent="0">
+              <a:buNone/>
+            </a:pPr>
+            <a:r>
+              <a:rPr lang="en-US" altLang="zh-CN" dirty="0"/>
+              <a:t> </a:t>
+            </a:r>
+            <a:r>
+              <a:rPr lang="en-US" altLang="zh-CN" dirty="0" smtClean="0"/>
+              <a:t>     “Tuesday”} ;</a:t>
+            </a:r>
+          </a:p>
+          <a:p>
+            <a:pPr marL="0" indent="0">
+              <a:buNone/>
+            </a:pPr>
+            <a:r>
+              <a:rPr lang="zh-CN" altLang="en-US" dirty="0" smtClean="0"/>
+              <a:t>等价于：</a:t>
+            </a:r>
+            <a:endParaRPr lang="en-US" altLang="zh-CN" dirty="0" smtClean="0"/>
+          </a:p>
+          <a:p>
+            <a:pPr marL="0" indent="0">
+              <a:buNone/>
+            </a:pPr>
+            <a:r>
+              <a:rPr lang="en-US" altLang="zh-CN" dirty="0" smtClean="0"/>
+              <a:t>String[] </a:t>
+            </a:r>
+            <a:r>
+              <a:rPr lang="en-US" altLang="zh-CN" dirty="0" err="1" smtClean="0"/>
+              <a:t>strArray</a:t>
+            </a:r>
+            <a:r>
+              <a:rPr lang="en-US" altLang="zh-CN" dirty="0" smtClean="0"/>
+              <a:t> = new String[2] ;</a:t>
+            </a:r>
+          </a:p>
+          <a:p>
+            <a:pPr marL="0" indent="0">
+              <a:buNone/>
+            </a:pPr>
+            <a:r>
+              <a:rPr lang="en-US" altLang="zh-CN" dirty="0" err="1" smtClean="0"/>
+              <a:t>strArray</a:t>
+            </a:r>
+            <a:r>
+              <a:rPr lang="en-US" altLang="zh-CN" dirty="0" smtClean="0"/>
+              <a:t>[0] = “Monday” ;</a:t>
+            </a:r>
+          </a:p>
+          <a:p>
+            <a:pPr marL="0" indent="0">
+              <a:buNone/>
+            </a:pPr>
+            <a:r>
+              <a:rPr lang="en-US" altLang="zh-CN" dirty="0" err="1" smtClean="0"/>
+              <a:t>strArray</a:t>
+            </a:r>
+            <a:r>
+              <a:rPr lang="en-US" altLang="zh-CN" dirty="0" smtClean="0"/>
+              <a:t>[1] = new String(“Tuesday”) ;</a:t>
+            </a:r>
+          </a:p>
+        </p:txBody>
+      </p:sp>
+    </p:spTree>
+    <p:extLst>
+      <p:ext uri="{BB962C8B-B14F-4D97-AF65-F5344CB8AC3E}">
+        <p14:creationId xmlns:p14="http://schemas.microsoft.com/office/powerpoint/2010/main" val="1166094859"/>
+      </p:ext>
+    </p:extLst>
+  </p:cSld>
+  <p:clrMapOvr>
+    <a:masterClrMapping/>
+  </p:clrMapOvr>
+  <p:timing>
+    <p:tnLst>
+      <p:par>
+        <p:cTn id="1" dur="indefinite" restart="never" nodeType="tmRoot"/>
+      </p:par>
+    </p:tnLst>
+  </p:timing>
+</p:sld>
+</file>
+
+<file path=ppt/slides/slide29.xml><?xml version="1.0" encoding="utf-8"?>
+<p:sld xmlns:a="http://schemas.openxmlformats.org/drawingml/2006/main" xmlns:r="http://schemas.openxmlformats.org/officeDocument/2006/relationships" xmlns:p="http://schemas.openxmlformats.org/presentationml/2006/main">
+  <p:cSld>
+    <p:spTree>
+      <p:nvGrpSpPr>
+        <p:cNvPr id="1" name=""/>
+        <p:cNvGrpSpPr/>
+        <p:nvPr/>
+      </p:nvGrpSpPr>
+      <p:grpSpPr>
+        <a:xfrm>
+          <a:off x="0" y="0"/>
+          <a:ext cx="0" cy="0"/>
+          <a:chOff x="0" y="0"/>
+          <a:chExt cx="0" cy="0"/>
+        </a:xfrm>
+      </p:grpSpPr>
+      <p:sp>
+        <p:nvSpPr>
+          <p:cNvPr id="2" name="标题 1"/>
+          <p:cNvSpPr>
+            <a:spLocks noGrp="1"/>
+          </p:cNvSpPr>
+          <p:nvPr>
+            <p:ph type="title"/>
+          </p:nvPr>
+        </p:nvSpPr>
+        <p:spPr/>
+        <p:txBody>
+          <a:bodyPr>
+            <a:normAutofit fontScale="90000"/>
+          </a:bodyPr>
+          <a:lstStyle/>
+          <a:p>
+            <a:r>
+              <a:rPr lang="zh-CN" altLang="en-US" dirty="0" smtClean="0"/>
+              <a:t>数组类型 </a:t>
+            </a:r>
+            <a:r>
+              <a:rPr lang="en-US" altLang="zh-CN" dirty="0" smtClean="0"/>
+              <a:t>– </a:t>
+            </a:r>
+            <a:r>
+              <a:rPr lang="zh-CN" altLang="en-US" dirty="0" smtClean="0"/>
+              <a:t>数组的操作</a:t>
+            </a:r>
+            <a:endParaRPr lang="zh-CN" altLang="en-US" dirty="0"/>
+          </a:p>
+        </p:txBody>
+      </p:sp>
+      <p:sp>
+        <p:nvSpPr>
+          <p:cNvPr id="3" name="内容占位符 2"/>
+          <p:cNvSpPr>
+            <a:spLocks noGrp="1"/>
+          </p:cNvSpPr>
+          <p:nvPr>
+            <p:ph idx="1"/>
+          </p:nvPr>
+        </p:nvSpPr>
+        <p:spPr/>
+        <p:txBody>
+          <a:bodyPr/>
+          <a:lstStyle/>
+          <a:p>
+            <a:r>
+              <a:rPr lang="en-US" altLang="zh-CN" dirty="0" smtClean="0"/>
+              <a:t>Arrays</a:t>
+            </a:r>
+            <a:r>
+              <a:rPr lang="zh-CN" altLang="en-US" dirty="0" smtClean="0"/>
+              <a:t>类</a:t>
+            </a:r>
+            <a:endParaRPr lang="en-US" altLang="zh-CN" dirty="0" smtClean="0"/>
+          </a:p>
+          <a:p>
+            <a:pPr lvl="1"/>
+            <a:r>
+              <a:rPr lang="zh-CN" altLang="en-US" dirty="0" smtClean="0"/>
+              <a:t>拷贝</a:t>
+            </a:r>
+            <a:endParaRPr lang="en-US" altLang="zh-CN" dirty="0" smtClean="0"/>
+          </a:p>
+          <a:p>
+            <a:pPr lvl="1"/>
+            <a:r>
+              <a:rPr lang="zh-CN" altLang="en-US" dirty="0" smtClean="0"/>
+              <a:t>子数组</a:t>
+            </a:r>
+            <a:endParaRPr lang="en-US" altLang="zh-CN" dirty="0" smtClean="0"/>
+          </a:p>
+          <a:p>
+            <a:pPr lvl="1"/>
+            <a:r>
+              <a:rPr lang="en-US" altLang="zh-CN" dirty="0" smtClean="0"/>
+              <a:t>……</a:t>
+            </a:r>
+          </a:p>
+        </p:txBody>
+      </p:sp>
+    </p:spTree>
+    <p:extLst>
+      <p:ext uri="{BB962C8B-B14F-4D97-AF65-F5344CB8AC3E}">
+        <p14:creationId xmlns:p14="http://schemas.microsoft.com/office/powerpoint/2010/main" val="1389838888"/>
+      </p:ext>
+    </p:extLst>
+  </p:cSld>
+  <p:clrMapOvr>
+    <a:masterClrMapping/>
+  </p:clrMapOvr>
+  <p:timing>
+    <p:tnLst>
+      <p:par>
+        <p:cTn id="1" dur="indefinite" restart="never" nodeType="tmRoot"/>
+      </p:par>
+    </p:tnLst>
+  </p:timing>
+</p:sld>
+</file>
+
 <file path=ppt/slides/slide3.xml><?xml version="1.0" encoding="utf-8"?>
 <p:sld xmlns:a="http://schemas.openxmlformats.org/drawingml/2006/main" xmlns:r="http://schemas.openxmlformats.org/officeDocument/2006/relationships" xmlns:p="http://schemas.openxmlformats.org/presentationml/2006/main">
   <p:cSld>
@@ -40408,6 +43798,427 @@
     <p:extLst>
       <p:ext uri="{BB962C8B-B14F-4D97-AF65-F5344CB8AC3E}">
         <p14:creationId xmlns:p14="http://schemas.microsoft.com/office/powerpoint/2010/main" val="3067289579"/>
+      </p:ext>
+    </p:extLst>
+  </p:cSld>
+  <p:clrMapOvr>
+    <a:masterClrMapping/>
+  </p:clrMapOvr>
+  <p:timing>
+    <p:tnLst>
+      <p:par>
+        <p:cTn id="1" dur="indefinite" restart="never" nodeType="tmRoot"/>
+      </p:par>
+    </p:tnLst>
+  </p:timing>
+</p:sld>
+</file>
+
+<file path=ppt/slides/slide30.xml><?xml version="1.0" encoding="utf-8"?>
+<p:sld xmlns:a="http://schemas.openxmlformats.org/drawingml/2006/main" xmlns:r="http://schemas.openxmlformats.org/officeDocument/2006/relationships" xmlns:p="http://schemas.openxmlformats.org/presentationml/2006/main">
+  <p:cSld>
+    <p:spTree>
+      <p:nvGrpSpPr>
+        <p:cNvPr id="1" name=""/>
+        <p:cNvGrpSpPr/>
+        <p:nvPr/>
+      </p:nvGrpSpPr>
+      <p:grpSpPr>
+        <a:xfrm>
+          <a:off x="0" y="0"/>
+          <a:ext cx="0" cy="0"/>
+          <a:chOff x="0" y="0"/>
+          <a:chExt cx="0" cy="0"/>
+        </a:xfrm>
+      </p:grpSpPr>
+      <p:sp>
+        <p:nvSpPr>
+          <p:cNvPr id="2" name="标题 1"/>
+          <p:cNvSpPr>
+            <a:spLocks noGrp="1"/>
+          </p:cNvSpPr>
+          <p:nvPr>
+            <p:ph type="title"/>
+          </p:nvPr>
+        </p:nvSpPr>
+        <p:spPr/>
+        <p:txBody>
+          <a:bodyPr>
+            <a:normAutofit fontScale="90000"/>
+          </a:bodyPr>
+          <a:lstStyle/>
+          <a:p>
+            <a:r>
+              <a:rPr lang="zh-CN" altLang="en-US" dirty="0" smtClean="0"/>
+              <a:t>数组类型和</a:t>
+            </a:r>
+            <a:r>
+              <a:rPr lang="en-US" altLang="zh-CN" dirty="0" err="1" smtClean="0"/>
+              <a:t>ArrayList</a:t>
+            </a:r>
+            <a:r>
+              <a:rPr lang="en-US" altLang="zh-CN" dirty="0" smtClean="0"/>
+              <a:t>&lt;T&gt;</a:t>
+            </a:r>
+            <a:r>
+              <a:rPr lang="zh-CN" altLang="en-US" dirty="0" smtClean="0"/>
+              <a:t>类</a:t>
+            </a:r>
+            <a:endParaRPr lang="zh-CN" altLang="en-US" dirty="0"/>
+          </a:p>
+        </p:txBody>
+      </p:sp>
+      <p:sp>
+        <p:nvSpPr>
+          <p:cNvPr id="3" name="内容占位符 2"/>
+          <p:cNvSpPr>
+            <a:spLocks noGrp="1"/>
+          </p:cNvSpPr>
+          <p:nvPr>
+            <p:ph idx="1"/>
+          </p:nvPr>
+        </p:nvSpPr>
+        <p:spPr/>
+        <p:txBody>
+          <a:bodyPr/>
+          <a:lstStyle/>
+          <a:p>
+            <a:r>
+              <a:rPr lang="zh-CN" altLang="en-US" dirty="0" smtClean="0"/>
+              <a:t>数组类型 </a:t>
+            </a:r>
+            <a:r>
+              <a:rPr lang="en-US" altLang="zh-CN" dirty="0" smtClean="0"/>
+              <a:t>- </a:t>
+            </a:r>
+            <a:r>
+              <a:rPr lang="zh-CN" altLang="en-US" dirty="0" smtClean="0"/>
+              <a:t>长度固定</a:t>
+            </a:r>
+            <a:endParaRPr lang="en-US" altLang="zh-CN" dirty="0" smtClean="0"/>
+          </a:p>
+          <a:p>
+            <a:r>
+              <a:rPr lang="en-US" altLang="zh-CN" dirty="0" err="1" smtClean="0"/>
+              <a:t>ArrayList</a:t>
+            </a:r>
+            <a:r>
+              <a:rPr lang="en-US" altLang="zh-CN" dirty="0" smtClean="0"/>
+              <a:t>&lt;T&gt; - </a:t>
+            </a:r>
+            <a:r>
+              <a:rPr lang="zh-CN" altLang="en-US" dirty="0" smtClean="0"/>
+              <a:t>长度任意</a:t>
+            </a:r>
+            <a:endParaRPr lang="en-US" altLang="zh-CN" dirty="0" smtClean="0"/>
+          </a:p>
+        </p:txBody>
+      </p:sp>
+    </p:spTree>
+    <p:extLst>
+      <p:ext uri="{BB962C8B-B14F-4D97-AF65-F5344CB8AC3E}">
+        <p14:creationId xmlns:p14="http://schemas.microsoft.com/office/powerpoint/2010/main" val="827267197"/>
+      </p:ext>
+    </p:extLst>
+  </p:cSld>
+  <p:clrMapOvr>
+    <a:masterClrMapping/>
+  </p:clrMapOvr>
+  <p:timing>
+    <p:tnLst>
+      <p:par>
+        <p:cTn id="1" dur="indefinite" restart="never" nodeType="tmRoot"/>
+      </p:par>
+    </p:tnLst>
+  </p:timing>
+</p:sld>
+</file>
+
+<file path=ppt/slides/slide31.xml><?xml version="1.0" encoding="utf-8"?>
+<p:sld xmlns:a="http://schemas.openxmlformats.org/drawingml/2006/main" xmlns:r="http://schemas.openxmlformats.org/officeDocument/2006/relationships" xmlns:p="http://schemas.openxmlformats.org/presentationml/2006/main">
+  <p:cSld>
+    <p:spTree>
+      <p:nvGrpSpPr>
+        <p:cNvPr id="1" name=""/>
+        <p:cNvGrpSpPr/>
+        <p:nvPr/>
+      </p:nvGrpSpPr>
+      <p:grpSpPr>
+        <a:xfrm>
+          <a:off x="0" y="0"/>
+          <a:ext cx="0" cy="0"/>
+          <a:chOff x="0" y="0"/>
+          <a:chExt cx="0" cy="0"/>
+        </a:xfrm>
+      </p:grpSpPr>
+      <p:sp>
+        <p:nvSpPr>
+          <p:cNvPr id="2" name="标题 1"/>
+          <p:cNvSpPr>
+            <a:spLocks noGrp="1"/>
+          </p:cNvSpPr>
+          <p:nvPr>
+            <p:ph type="title"/>
+          </p:nvPr>
+        </p:nvSpPr>
+        <p:spPr/>
+        <p:txBody>
+          <a:bodyPr>
+            <a:normAutofit fontScale="90000"/>
+          </a:bodyPr>
+          <a:lstStyle/>
+          <a:p>
+            <a:r>
+              <a:rPr lang="zh-CN" altLang="en-US" dirty="0" smtClean="0"/>
+              <a:t>多维数组</a:t>
+            </a:r>
+            <a:endParaRPr lang="zh-CN" altLang="en-US" dirty="0"/>
+          </a:p>
+        </p:txBody>
+      </p:sp>
+      <p:sp>
+        <p:nvSpPr>
+          <p:cNvPr id="3" name="内容占位符 2"/>
+          <p:cNvSpPr>
+            <a:spLocks noGrp="1"/>
+          </p:cNvSpPr>
+          <p:nvPr>
+            <p:ph idx="1"/>
+          </p:nvPr>
+        </p:nvSpPr>
+        <p:spPr/>
+        <p:txBody>
+          <a:bodyPr>
+            <a:normAutofit fontScale="85000" lnSpcReduction="20000"/>
+          </a:bodyPr>
+          <a:lstStyle/>
+          <a:p>
+            <a:pPr marL="0" indent="0">
+              <a:buNone/>
+            </a:pPr>
+            <a:r>
+              <a:rPr lang="en-US" altLang="zh-CN" dirty="0" err="1"/>
+              <a:t>Int</a:t>
+            </a:r>
+            <a:r>
+              <a:rPr lang="en-US" altLang="zh-CN" dirty="0"/>
+              <a:t>[][] m = new </a:t>
+            </a:r>
+            <a:r>
+              <a:rPr lang="en-US" altLang="zh-CN" dirty="0" err="1"/>
+              <a:t>int</a:t>
+            </a:r>
+            <a:r>
+              <a:rPr lang="en-US" altLang="zh-CN" dirty="0"/>
+              <a:t>[2][3] </a:t>
+            </a:r>
+            <a:r>
+              <a:rPr lang="en-US" altLang="zh-CN" dirty="0" smtClean="0"/>
+              <a:t>;</a:t>
+            </a:r>
+          </a:p>
+          <a:p>
+            <a:pPr marL="0" indent="0">
+              <a:buNone/>
+            </a:pPr>
+            <a:endParaRPr lang="en-US" altLang="zh-CN" dirty="0"/>
+          </a:p>
+          <a:p>
+            <a:pPr marL="0" indent="0">
+              <a:buNone/>
+            </a:pPr>
+            <a:r>
+              <a:rPr lang="en-US" altLang="zh-CN" dirty="0" smtClean="0"/>
+              <a:t>m[0</a:t>
+            </a:r>
+            <a:r>
+              <a:rPr lang="en-US" altLang="zh-CN" dirty="0"/>
+              <a:t>][1] = 5</a:t>
+            </a:r>
+            <a:r>
+              <a:rPr lang="en-US" altLang="zh-CN" dirty="0" smtClean="0"/>
+              <a:t>;</a:t>
+            </a:r>
+          </a:p>
+          <a:p>
+            <a:pPr marL="0" indent="0">
+              <a:buNone/>
+            </a:pPr>
+            <a:endParaRPr lang="en-US" altLang="zh-CN" dirty="0"/>
+          </a:p>
+          <a:p>
+            <a:pPr marL="0" indent="0">
+              <a:buNone/>
+            </a:pPr>
+            <a:r>
+              <a:rPr lang="en-US" altLang="zh-CN" dirty="0" err="1"/>
+              <a:t>Int</a:t>
+            </a:r>
+            <a:r>
+              <a:rPr lang="en-US" altLang="zh-CN" dirty="0"/>
+              <a:t>[][] n = {</a:t>
+            </a:r>
+          </a:p>
+          <a:p>
+            <a:pPr marL="0" indent="0">
+              <a:buNone/>
+            </a:pPr>
+            <a:r>
+              <a:rPr lang="en-US" altLang="zh-CN" dirty="0"/>
+              <a:t>   { 1, 2},</a:t>
+            </a:r>
+          </a:p>
+          <a:p>
+            <a:pPr marL="0" indent="0">
+              <a:buNone/>
+            </a:pPr>
+            <a:r>
+              <a:rPr lang="en-US" altLang="zh-CN" dirty="0"/>
+              <a:t>   { 3, 4}</a:t>
+            </a:r>
+          </a:p>
+          <a:p>
+            <a:pPr marL="0" indent="0">
+              <a:buNone/>
+            </a:pPr>
+            <a:r>
+              <a:rPr lang="en-US" altLang="zh-CN" dirty="0" smtClean="0"/>
+              <a:t>}</a:t>
+            </a:r>
+          </a:p>
+          <a:p>
+            <a:pPr marL="0" indent="0">
+              <a:buNone/>
+            </a:pPr>
+            <a:endParaRPr lang="en-US" altLang="zh-CN" dirty="0"/>
+          </a:p>
+          <a:p>
+            <a:pPr marL="0" indent="0">
+              <a:buNone/>
+            </a:pPr>
+            <a:r>
+              <a:rPr lang="zh-CN" altLang="en-US" dirty="0" smtClean="0">
+                <a:solidFill>
+                  <a:srgbClr val="FFC000"/>
+                </a:solidFill>
+              </a:rPr>
+              <a:t>问题：</a:t>
+            </a:r>
+            <a:r>
+              <a:rPr lang="en-US" altLang="zh-CN" dirty="0" smtClean="0">
+                <a:solidFill>
+                  <a:srgbClr val="FFC000"/>
+                </a:solidFill>
+              </a:rPr>
+              <a:t>m[0][0]</a:t>
+            </a:r>
+            <a:r>
+              <a:rPr lang="zh-CN" altLang="en-US" dirty="0" smtClean="0">
+                <a:solidFill>
+                  <a:srgbClr val="FFC000"/>
+                </a:solidFill>
+              </a:rPr>
+              <a:t>的类型是</a:t>
+            </a:r>
+            <a:r>
+              <a:rPr lang="en-US" altLang="zh-CN" dirty="0" err="1" smtClean="0">
+                <a:solidFill>
+                  <a:srgbClr val="FFC000"/>
+                </a:solidFill>
+              </a:rPr>
+              <a:t>int</a:t>
+            </a:r>
+            <a:r>
+              <a:rPr lang="zh-CN" altLang="en-US" dirty="0" smtClean="0">
+                <a:solidFill>
+                  <a:srgbClr val="FFC000"/>
+                </a:solidFill>
+              </a:rPr>
+              <a:t>，</a:t>
+            </a:r>
+            <a:r>
+              <a:rPr lang="en-US" altLang="zh-CN" dirty="0" smtClean="0">
+                <a:solidFill>
+                  <a:srgbClr val="FFC000"/>
+                </a:solidFill>
+              </a:rPr>
+              <a:t>m[0]</a:t>
+            </a:r>
+            <a:r>
+              <a:rPr lang="zh-CN" altLang="en-US" dirty="0" smtClean="0">
+                <a:solidFill>
+                  <a:srgbClr val="FFC000"/>
+                </a:solidFill>
+              </a:rPr>
+              <a:t>的类型是什么？</a:t>
+            </a:r>
+            <a:endParaRPr lang="en-US" altLang="zh-CN" dirty="0" smtClean="0">
+              <a:solidFill>
+                <a:srgbClr val="FFC000"/>
+              </a:solidFill>
+            </a:endParaRPr>
+          </a:p>
+          <a:p>
+            <a:pPr marL="0" indent="0">
+              <a:buNone/>
+            </a:pPr>
+            <a:endParaRPr lang="en-US" altLang="zh-CN" dirty="0"/>
+          </a:p>
+          <a:p>
+            <a:pPr marL="0" indent="0">
+              <a:buNone/>
+            </a:pPr>
+            <a:endParaRPr lang="en-US" altLang="zh-CN" dirty="0"/>
+          </a:p>
+          <a:p>
+            <a:pPr marL="0" indent="0">
+              <a:buNone/>
+            </a:pPr>
+            <a:endParaRPr lang="zh-CN" altLang="en-US" dirty="0"/>
+          </a:p>
+        </p:txBody>
+      </p:sp>
+    </p:spTree>
+    <p:extLst>
+      <p:ext uri="{BB962C8B-B14F-4D97-AF65-F5344CB8AC3E}">
+        <p14:creationId xmlns:p14="http://schemas.microsoft.com/office/powerpoint/2010/main" val="2249059015"/>
+      </p:ext>
+    </p:extLst>
+  </p:cSld>
+  <p:clrMapOvr>
+    <a:masterClrMapping/>
+  </p:clrMapOvr>
+  <p:timing>
+    <p:tnLst>
+      <p:par>
+        <p:cTn id="1" dur="indefinite" restart="never" nodeType="tmRoot"/>
+      </p:par>
+    </p:tnLst>
+  </p:timing>
+</p:sld>
+</file>
+
+<file path=ppt/slides/slide32.xml><?xml version="1.0" encoding="utf-8"?>
+<p:sld xmlns:a="http://schemas.openxmlformats.org/drawingml/2006/main" xmlns:r="http://schemas.openxmlformats.org/officeDocument/2006/relationships" xmlns:p="http://schemas.openxmlformats.org/presentationml/2006/main">
+  <p:cSld>
+    <p:spTree>
+      <p:nvGrpSpPr>
+        <p:cNvPr id="1" name=""/>
+        <p:cNvGrpSpPr/>
+        <p:nvPr/>
+      </p:nvGrpSpPr>
+      <p:grpSpPr>
+        <a:xfrm>
+          <a:off x="0" y="0"/>
+          <a:ext cx="0" cy="0"/>
+          <a:chOff x="0" y="0"/>
+          <a:chExt cx="0" cy="0"/>
+        </a:xfrm>
+      </p:grpSpPr>
+    </p:spTree>
+    <p:extLst>
+      <p:ext uri="{BB962C8B-B14F-4D97-AF65-F5344CB8AC3E}">
+        <p14:creationId xmlns:p14="http://schemas.microsoft.com/office/powerpoint/2010/main" val="3418871224"/>
       </p:ext>
     </p:extLst>
   </p:cSld>

--- a/docs/java-概述.pptx
+++ b/docs/java-概述.pptx
@@ -43706,7 +43706,7 @@
         <p:spPr/>
         <p:txBody>
           <a:bodyPr>
-            <a:normAutofit/>
+            <a:normAutofit lnSpcReduction="10000"/>
           </a:bodyPr>
           <a:lstStyle/>
           <a:p>
@@ -43745,7 +43745,11 @@
           <a:p>
             <a:r>
               <a:rPr lang="zh-CN" altLang="en-US" dirty="0" smtClean="0"/>
-              <a:t>在传统企业和互联网企业广泛应用</a:t>
+              <a:t>在传统企业和互联网企业广泛</a:t>
+            </a:r>
+            <a:r>
+              <a:rPr lang="zh-CN" altLang="en-US" dirty="0" smtClean="0"/>
+              <a:t>应用</a:t>
             </a:r>
             <a:endParaRPr lang="en-US" altLang="zh-CN" dirty="0" smtClean="0"/>
           </a:p>
@@ -43790,6 +43794,18 @@
             <a:endParaRPr lang="en-US" altLang="zh-CN" dirty="0" smtClean="0"/>
           </a:p>
           <a:p>
+            <a:r>
+              <a:rPr lang="zh-CN" altLang="en-US" dirty="0" smtClean="0"/>
+              <a:t>比</a:t>
+            </a:r>
+            <a:r>
+              <a:rPr lang="en-US" altLang="zh-CN" dirty="0" smtClean="0"/>
+              <a:t>C++</a:t>
+            </a:r>
+            <a:r>
+              <a:rPr lang="zh-CN" altLang="en-US" dirty="0" smtClean="0"/>
+              <a:t>语法简单，但生态丰富</a:t>
+            </a:r>
             <a:endParaRPr lang="zh-CN" altLang="en-US" dirty="0"/>
           </a:p>
         </p:txBody>
